--- a/ltdd02/LT駆動開発 02 プレゼン.pptx
+++ b/ltdd02/LT駆動開発 02 プレゼン.pptx
@@ -5,7 +5,7 @@
     <p:sldMasterId id="2147483660" r:id="rId1"/>
   </p:sldMasterIdLst>
   <p:notesMasterIdLst>
-    <p:notesMasterId r:id="rId22"/>
+    <p:notesMasterId r:id="rId27"/>
   </p:notesMasterIdLst>
   <p:sldIdLst>
     <p:sldId id="278" r:id="rId2"/>
@@ -26,8 +26,13 @@
     <p:sldId id="291" r:id="rId17"/>
     <p:sldId id="292" r:id="rId18"/>
     <p:sldId id="293" r:id="rId19"/>
-    <p:sldId id="294" r:id="rId20"/>
-    <p:sldId id="275" r:id="rId21"/>
+    <p:sldId id="295" r:id="rId20"/>
+    <p:sldId id="296" r:id="rId21"/>
+    <p:sldId id="297" r:id="rId22"/>
+    <p:sldId id="299" r:id="rId23"/>
+    <p:sldId id="298" r:id="rId24"/>
+    <p:sldId id="294" r:id="rId25"/>
+    <p:sldId id="275" r:id="rId26"/>
   </p:sldIdLst>
   <p:sldSz cx="9144000" cy="6858000" type="screen4x3"/>
   <p:notesSz cx="6858000" cy="9144000"/>
@@ -2884,8 +2889,8 @@
     <dgm:cxn modelId="{DE6F9711-82F5-0546-A796-E06BB20C8BBA}" type="presOf" srcId="{5AA5B7C0-D94C-914F-BD92-882695C0D549}" destId="{FBA9C603-EAFF-CF4B-9C62-40188EC62375}" srcOrd="0" destOrd="0" presId="urn:microsoft.com/office/officeart/2005/8/layout/pyramid1"/>
     <dgm:cxn modelId="{23DA196B-BBAD-F340-962C-A474B530C1AE}" srcId="{4FAD193C-EEB2-7F4A-859F-3BBE476F53F0}" destId="{915BFC19-BD35-A849-AB50-028A9150CDC1}" srcOrd="1" destOrd="0" parTransId="{80160DD7-8FC0-734D-A6C7-EF9B28B708F8}" sibTransId="{1E113CB4-A781-CA4A-B681-00C231CBBF39}"/>
     <dgm:cxn modelId="{5CF3361A-076B-0C4E-AE91-8BCFC6025672}" type="presOf" srcId="{4FAD193C-EEB2-7F4A-859F-3BBE476F53F0}" destId="{AA570822-C524-8C47-A7C6-9D91A1724ABF}" srcOrd="0" destOrd="0" presId="urn:microsoft.com/office/officeart/2005/8/layout/pyramid1"/>
+    <dgm:cxn modelId="{0360B00D-33CE-8D44-B93B-E024E2AF4908}" type="presOf" srcId="{39BF646F-D1D4-3B48-BAFB-55B4667C90C0}" destId="{DB0640CD-5834-9341-B322-22BE3D56095B}" srcOrd="0" destOrd="0" presId="urn:microsoft.com/office/officeart/2005/8/layout/pyramid1"/>
     <dgm:cxn modelId="{2CA689EB-9A47-C344-BD2A-28A487A647CB}" type="presOf" srcId="{915BFC19-BD35-A849-AB50-028A9150CDC1}" destId="{45266097-017D-8040-8843-54AE6C541095}" srcOrd="1" destOrd="0" presId="urn:microsoft.com/office/officeart/2005/8/layout/pyramid1"/>
-    <dgm:cxn modelId="{0360B00D-33CE-8D44-B93B-E024E2AF4908}" type="presOf" srcId="{39BF646F-D1D4-3B48-BAFB-55B4667C90C0}" destId="{DB0640CD-5834-9341-B322-22BE3D56095B}" srcOrd="0" destOrd="0" presId="urn:microsoft.com/office/officeart/2005/8/layout/pyramid1"/>
     <dgm:cxn modelId="{B9A131B4-D648-EA4F-B8A6-7694AAA786BD}" type="presParOf" srcId="{AA570822-C524-8C47-A7C6-9D91A1724ABF}" destId="{796B8413-A61A-C142-B3E6-2893311519D0}" srcOrd="0" destOrd="0" presId="urn:microsoft.com/office/officeart/2005/8/layout/pyramid1"/>
     <dgm:cxn modelId="{7DA95241-56E3-D74C-B590-94BD1877F9A6}" type="presParOf" srcId="{796B8413-A61A-C142-B3E6-2893311519D0}" destId="{FBA9C603-EAFF-CF4B-9C62-40188EC62375}" srcOrd="0" destOrd="0" presId="urn:microsoft.com/office/officeart/2005/8/layout/pyramid1"/>
     <dgm:cxn modelId="{47E5FCB3-226F-CA49-9FF6-AF8C4325DE6C}" type="presParOf" srcId="{796B8413-A61A-C142-B3E6-2893311519D0}" destId="{EB4870B9-5CBD-214C-9D75-FB13F9F2ADC6}" srcOrd="1" destOrd="0" presId="urn:microsoft.com/office/officeart/2005/8/layout/pyramid1"/>
@@ -7793,7 +7798,7 @@
           <a:p>
             <a:fld id="{6918B036-4E51-784E-9626-3C90733E496C}" type="datetimeFigureOut">
               <a:rPr kumimoji="1" lang="ja-JP" altLang="en-US" smtClean="0"/>
-              <a:t>2014/04/03</a:t>
+              <a:t>2014/04/04</a:t>
             </a:fld>
             <a:endParaRPr kumimoji="1" lang="ja-JP" altLang="en-US"/>
           </a:p>
@@ -8158,7 +8163,7 @@
           <a:p>
             <a:fld id="{0E6B3286-CC00-E849-8850-DFF82D90467B}" type="slidenum">
               <a:rPr kumimoji="1" lang="ja-JP" altLang="en-US" smtClean="0"/>
-              <a:t>20</a:t>
+              <a:t>25</a:t>
             </a:fld>
             <a:endParaRPr kumimoji="1" lang="ja-JP" altLang="en-US"/>
           </a:p>
@@ -8370,7 +8375,7 @@
           <a:p>
             <a:fld id="{8EB6E0BA-E3E9-A44B-A682-F9FBC4411CB4}" type="datetimeFigureOut">
               <a:rPr kumimoji="1" lang="ja-JP" altLang="en-US" smtClean="0"/>
-              <a:t>2014/04/03</a:t>
+              <a:t>2014/04/04</a:t>
             </a:fld>
             <a:endParaRPr kumimoji="1" lang="ja-JP" altLang="en-US"/>
           </a:p>
@@ -8667,7 +8672,7 @@
           <a:p>
             <a:fld id="{8EB6E0BA-E3E9-A44B-A682-F9FBC4411CB4}" type="datetimeFigureOut">
               <a:rPr kumimoji="1" lang="ja-JP" altLang="en-US" smtClean="0"/>
-              <a:t>2014/04/03</a:t>
+              <a:t>2014/04/04</a:t>
             </a:fld>
             <a:endParaRPr kumimoji="1" lang="ja-JP" altLang="en-US"/>
           </a:p>
@@ -8874,7 +8879,7 @@
           <a:p>
             <a:fld id="{8EB6E0BA-E3E9-A44B-A682-F9FBC4411CB4}" type="datetimeFigureOut">
               <a:rPr kumimoji="1" lang="ja-JP" altLang="en-US" smtClean="0"/>
-              <a:t>2014/04/03</a:t>
+              <a:t>2014/04/04</a:t>
             </a:fld>
             <a:endParaRPr kumimoji="1" lang="ja-JP" altLang="en-US"/>
           </a:p>
@@ -9071,7 +9076,7 @@
           <a:p>
             <a:fld id="{8EB6E0BA-E3E9-A44B-A682-F9FBC4411CB4}" type="datetimeFigureOut">
               <a:rPr kumimoji="1" lang="ja-JP" altLang="en-US" smtClean="0"/>
-              <a:t>2014/04/03</a:t>
+              <a:t>2014/04/04</a:t>
             </a:fld>
             <a:endParaRPr kumimoji="1" lang="ja-JP" altLang="en-US"/>
           </a:p>
@@ -9320,7 +9325,7 @@
           <a:p>
             <a:fld id="{8EB6E0BA-E3E9-A44B-A682-F9FBC4411CB4}" type="datetimeFigureOut">
               <a:rPr kumimoji="1" lang="ja-JP" altLang="en-US" smtClean="0"/>
-              <a:t>2014/04/03</a:t>
+              <a:t>2014/04/04</a:t>
             </a:fld>
             <a:endParaRPr kumimoji="1" lang="ja-JP" altLang="en-US"/>
           </a:p>
@@ -9667,7 +9672,7 @@
           <a:p>
             <a:fld id="{8EB6E0BA-E3E9-A44B-A682-F9FBC4411CB4}" type="datetimeFigureOut">
               <a:rPr kumimoji="1" lang="ja-JP" altLang="en-US" smtClean="0"/>
-              <a:t>2014/04/03</a:t>
+              <a:t>2014/04/04</a:t>
             </a:fld>
             <a:endParaRPr kumimoji="1" lang="ja-JP" altLang="en-US"/>
           </a:p>
@@ -10170,7 +10175,7 @@
           <a:p>
             <a:fld id="{8EB6E0BA-E3E9-A44B-A682-F9FBC4411CB4}" type="datetimeFigureOut">
               <a:rPr kumimoji="1" lang="ja-JP" altLang="en-US" smtClean="0"/>
-              <a:t>2014/04/03</a:t>
+              <a:t>2014/04/04</a:t>
             </a:fld>
             <a:endParaRPr kumimoji="1" lang="ja-JP" altLang="en-US"/>
           </a:p>
@@ -10283,7 +10288,7 @@
           <a:p>
             <a:fld id="{8EB6E0BA-E3E9-A44B-A682-F9FBC4411CB4}" type="datetimeFigureOut">
               <a:rPr kumimoji="1" lang="ja-JP" altLang="en-US" smtClean="0"/>
-              <a:t>2014/04/03</a:t>
+              <a:t>2014/04/04</a:t>
             </a:fld>
             <a:endParaRPr kumimoji="1" lang="ja-JP" altLang="en-US"/>
           </a:p>
@@ -10373,7 +10378,7 @@
           <a:p>
             <a:fld id="{8EB6E0BA-E3E9-A44B-A682-F9FBC4411CB4}" type="datetimeFigureOut">
               <a:rPr kumimoji="1" lang="ja-JP" altLang="en-US" smtClean="0"/>
-              <a:t>2014/04/03</a:t>
+              <a:t>2014/04/04</a:t>
             </a:fld>
             <a:endParaRPr kumimoji="1" lang="ja-JP" altLang="en-US"/>
           </a:p>
@@ -10647,7 +10652,7 @@
           <a:p>
             <a:fld id="{8EB6E0BA-E3E9-A44B-A682-F9FBC4411CB4}" type="datetimeFigureOut">
               <a:rPr kumimoji="1" lang="ja-JP" altLang="en-US" smtClean="0"/>
-              <a:t>2014/04/03</a:t>
+              <a:t>2014/04/04</a:t>
             </a:fld>
             <a:endParaRPr kumimoji="1" lang="ja-JP" altLang="en-US"/>
           </a:p>
@@ -10941,7 +10946,7 @@
           <a:p>
             <a:fld id="{8EB6E0BA-E3E9-A44B-A682-F9FBC4411CB4}" type="datetimeFigureOut">
               <a:rPr kumimoji="1" lang="ja-JP" altLang="en-US" smtClean="0"/>
-              <a:t>2014/04/03</a:t>
+              <a:t>2014/04/04</a:t>
             </a:fld>
             <a:endParaRPr kumimoji="1" lang="ja-JP" altLang="en-US"/>
           </a:p>
@@ -11267,7 +11272,7 @@
           <a:p>
             <a:fld id="{8EB6E0BA-E3E9-A44B-A682-F9FBC4411CB4}" type="datetimeFigureOut">
               <a:rPr kumimoji="1" lang="ja-JP" altLang="en-US" smtClean="0"/>
-              <a:t>2014/04/03</a:t>
+              <a:t>2014/04/04</a:t>
             </a:fld>
             <a:endParaRPr kumimoji="1" lang="ja-JP" altLang="en-US"/>
           </a:p>
@@ -11771,15 +11776,7 @@
           <a:p>
             <a:r>
               <a:rPr lang="ja-JP" altLang="en-US" dirty="0" smtClean="0"/>
-              <a:t>リーンスタートアップ</a:t>
-            </a:r>
-            <a:r>
-              <a:rPr lang="ja-JP" altLang="en-US" dirty="0" smtClean="0"/>
-              <a:t>って</a:t>
-            </a:r>
-            <a:r>
-              <a:rPr lang="ja-JP" altLang="en-US" dirty="0" smtClean="0"/>
-              <a:t>何？</a:t>
+              <a:t>リーンスタートアップって何？</a:t>
             </a:r>
             <a:r>
               <a:rPr lang="en-US" altLang="ja-JP" dirty="0" smtClean="0"/>
@@ -11815,13 +11812,8 @@
           <a:p>
             <a:r>
               <a:rPr kumimoji="1" lang="en-US" altLang="ja-JP" dirty="0" smtClean="0"/>
-              <a:t>2014/</a:t>
-            </a:r>
-            <a:r>
-              <a:rPr kumimoji="1" lang="en-US" altLang="ja-JP" dirty="0" smtClean="0"/>
-              <a:t>04/05</a:t>
-            </a:r>
-            <a:endParaRPr kumimoji="1" lang="en-US" altLang="ja-JP" dirty="0" smtClean="0"/>
+              <a:t>2014/04/05</a:t>
+            </a:r>
           </a:p>
           <a:p>
             <a:r>
@@ -11929,8 +11921,13 @@
             </a:r>
             <a:r>
               <a:rPr lang="ja-JP" altLang="en-US" sz="1800" dirty="0"/>
-              <a:t>・・・繁栄し、世界を変える事業を構築すること</a:t>
-            </a:r>
+              <a:t>・・・繁栄し、世界を変える事業を構築</a:t>
+            </a:r>
+            <a:r>
+              <a:rPr lang="ja-JP" altLang="en-US" sz="1800" dirty="0" smtClean="0"/>
+              <a:t>する</a:t>
+            </a:r>
+            <a:endParaRPr lang="ja-JP" altLang="en-US" sz="1800" dirty="0"/>
           </a:p>
           <a:p>
             <a:pPr lvl="1"/>
@@ -12094,8 +12091,8 @@
         </p:blipFill>
         <p:spPr>
           <a:xfrm>
-            <a:off x="2959100" y="3001963"/>
-            <a:ext cx="5537200" cy="3124200"/>
+            <a:off x="1555105" y="2209800"/>
+            <a:ext cx="6941196" cy="3916363"/>
           </a:xfrm>
           <a:prstGeom prst="rect">
             <a:avLst/>
@@ -12110,7 +12107,7 @@
         </p:nvSpPr>
         <p:spPr>
           <a:xfrm>
-            <a:off x="5130800" y="4241800"/>
+            <a:off x="4368800" y="3835400"/>
             <a:ext cx="698500" cy="190500"/>
           </a:xfrm>
           <a:prstGeom prst="rect">
@@ -13441,6 +13438,630 @@
           <a:chExt cx="0" cy="0"/>
         </a:xfrm>
       </p:grpSpPr>
+      <p:grpSp>
+        <p:nvGrpSpPr>
+          <p:cNvPr id="8" name="図形グループ 7"/>
+          <p:cNvGrpSpPr/>
+          <p:nvPr/>
+        </p:nvGrpSpPr>
+        <p:grpSpPr>
+          <a:xfrm>
+            <a:off x="4359140" y="4013293"/>
+            <a:ext cx="2255408" cy="2261749"/>
+            <a:chOff x="2071366" y="1295400"/>
+            <a:chExt cx="4967932" cy="4981899"/>
+          </a:xfrm>
+        </p:grpSpPr>
+        <p:sp>
+          <p:nvSpPr>
+            <p:cNvPr id="9" name="Oval 4"/>
+            <p:cNvSpPr/>
+            <p:nvPr/>
+          </p:nvSpPr>
+          <p:spPr>
+            <a:xfrm>
+              <a:off x="3586321" y="4228200"/>
+              <a:ext cx="2385647" cy="811831"/>
+            </a:xfrm>
+            <a:custGeom>
+              <a:avLst/>
+              <a:gdLst/>
+              <a:ahLst/>
+              <a:cxnLst/>
+              <a:rect l="l" t="t" r="r" b="b"/>
+              <a:pathLst>
+                <a:path w="2704975" h="920498">
+                  <a:moveTo>
+                    <a:pt x="2661361" y="0"/>
+                  </a:moveTo>
+                  <a:lnTo>
+                    <a:pt x="2704975" y="33770"/>
+                  </a:lnTo>
+                  <a:cubicBezTo>
+                    <a:pt x="2373765" y="566748"/>
+                    <a:pt x="1782617" y="920498"/>
+                    <a:pt x="1108845" y="920498"/>
+                  </a:cubicBezTo>
+                  <a:cubicBezTo>
+                    <a:pt x="724109" y="920498"/>
+                    <a:pt x="366314" y="805154"/>
+                    <a:pt x="69050" y="605831"/>
+                  </a:cubicBezTo>
+                  <a:lnTo>
+                    <a:pt x="85022" y="706672"/>
+                  </a:lnTo>
+                  <a:lnTo>
+                    <a:pt x="30833" y="715255"/>
+                  </a:lnTo>
+                  <a:lnTo>
+                    <a:pt x="0" y="520577"/>
+                  </a:lnTo>
+                  <a:lnTo>
+                    <a:pt x="191997" y="490168"/>
+                  </a:lnTo>
+                  <a:lnTo>
+                    <a:pt x="200579" y="544357"/>
+                  </a:lnTo>
+                  <a:lnTo>
+                    <a:pt x="99975" y="560291"/>
+                  </a:lnTo>
+                  <a:cubicBezTo>
+                    <a:pt x="388352" y="753781"/>
+                    <a:pt x="735536" y="865634"/>
+                    <a:pt x="1108845" y="865634"/>
+                  </a:cubicBezTo>
+                  <a:cubicBezTo>
+                    <a:pt x="1764976" y="865634"/>
+                    <a:pt x="2340402" y="520101"/>
+                    <a:pt x="2661361" y="0"/>
+                  </a:cubicBezTo>
+                  <a:close/>
+                </a:path>
+              </a:pathLst>
+            </a:custGeom>
+            <a:ln/>
+          </p:spPr>
+          <p:style>
+            <a:lnRef idx="2">
+              <a:schemeClr val="accent1">
+                <a:shade val="50000"/>
+              </a:schemeClr>
+            </a:lnRef>
+            <a:fillRef idx="1">
+              <a:schemeClr val="accent1"/>
+            </a:fillRef>
+            <a:effectRef idx="0">
+              <a:schemeClr val="accent1"/>
+            </a:effectRef>
+            <a:fontRef idx="minor">
+              <a:schemeClr val="lt1"/>
+            </a:fontRef>
+          </p:style>
+          <p:txBody>
+            <a:bodyPr rtlCol="0" anchor="ctr"/>
+            <a:lstStyle/>
+            <a:p>
+              <a:pPr algn="ctr"/>
+              <a:endParaRPr lang="en-US" sz="800"/>
+            </a:p>
+          </p:txBody>
+        </p:sp>
+        <p:sp>
+          <p:nvSpPr>
+            <p:cNvPr id="10" name="Oval 4"/>
+            <p:cNvSpPr/>
+            <p:nvPr/>
+          </p:nvSpPr>
+          <p:spPr>
+            <a:xfrm>
+              <a:off x="4550233" y="1717444"/>
+              <a:ext cx="1769269" cy="1883299"/>
+            </a:xfrm>
+            <a:custGeom>
+              <a:avLst/>
+              <a:gdLst/>
+              <a:ahLst/>
+              <a:cxnLst/>
+              <a:rect l="l" t="t" r="r" b="b"/>
+              <a:pathLst>
+                <a:path w="2006093" h="2135385">
+                  <a:moveTo>
+                    <a:pt x="15910" y="0"/>
+                  </a:moveTo>
+                  <a:cubicBezTo>
+                    <a:pt x="1056229" y="0"/>
+                    <a:pt x="1899574" y="843345"/>
+                    <a:pt x="1899574" y="1883664"/>
+                  </a:cubicBezTo>
+                  <a:lnTo>
+                    <a:pt x="1891841" y="2036813"/>
+                  </a:lnTo>
+                  <a:lnTo>
+                    <a:pt x="1976212" y="1982022"/>
+                  </a:lnTo>
+                  <a:lnTo>
+                    <a:pt x="2006093" y="2028034"/>
+                  </a:lnTo>
+                  <a:lnTo>
+                    <a:pt x="1840788" y="2135385"/>
+                  </a:lnTo>
+                  <a:lnTo>
+                    <a:pt x="1734916" y="1972356"/>
+                  </a:lnTo>
+                  <a:lnTo>
+                    <a:pt x="1780928" y="1942475"/>
+                  </a:lnTo>
+                  <a:lnTo>
+                    <a:pt x="1837353" y="2029361"/>
+                  </a:lnTo>
+                  <a:cubicBezTo>
+                    <a:pt x="1842776" y="1981389"/>
+                    <a:pt x="1844710" y="1932752"/>
+                    <a:pt x="1844710" y="1883664"/>
+                  </a:cubicBezTo>
+                  <a:cubicBezTo>
+                    <a:pt x="1844710" y="873646"/>
+                    <a:pt x="1025928" y="54864"/>
+                    <a:pt x="15910" y="54864"/>
+                  </a:cubicBezTo>
+                  <a:lnTo>
+                    <a:pt x="12879" y="54977"/>
+                  </a:lnTo>
+                  <a:lnTo>
+                    <a:pt x="0" y="596"/>
+                  </a:lnTo>
+                  <a:cubicBezTo>
+                    <a:pt x="5295" y="22"/>
+                    <a:pt x="10600" y="0"/>
+                    <a:pt x="15910" y="0"/>
+                  </a:cubicBezTo>
+                  <a:close/>
+                </a:path>
+              </a:pathLst>
+            </a:custGeom>
+            <a:ln/>
+          </p:spPr>
+          <p:style>
+            <a:lnRef idx="2">
+              <a:schemeClr val="accent1">
+                <a:shade val="50000"/>
+              </a:schemeClr>
+            </a:lnRef>
+            <a:fillRef idx="1">
+              <a:schemeClr val="accent1"/>
+            </a:fillRef>
+            <a:effectRef idx="0">
+              <a:schemeClr val="accent1"/>
+            </a:effectRef>
+            <a:fontRef idx="minor">
+              <a:schemeClr val="lt1"/>
+            </a:fontRef>
+          </p:style>
+          <p:txBody>
+            <a:bodyPr rtlCol="0" anchor="ctr"/>
+            <a:lstStyle/>
+            <a:p>
+              <a:pPr algn="ctr"/>
+              <a:endParaRPr lang="en-US" sz="800"/>
+            </a:p>
+          </p:txBody>
+        </p:sp>
+        <p:sp>
+          <p:nvSpPr>
+            <p:cNvPr id="11" name="Oval 4"/>
+            <p:cNvSpPr/>
+            <p:nvPr/>
+          </p:nvSpPr>
+          <p:spPr>
+            <a:xfrm>
+              <a:off x="2902970" y="1791656"/>
+              <a:ext cx="1072074" cy="2368919"/>
+            </a:xfrm>
+            <a:custGeom>
+              <a:avLst/>
+              <a:gdLst/>
+              <a:ahLst/>
+              <a:cxnLst/>
+              <a:rect l="l" t="t" r="r" b="b"/>
+              <a:pathLst>
+                <a:path w="1215575" h="2686008">
+                  <a:moveTo>
+                    <a:pt x="1030358" y="0"/>
+                  </a:moveTo>
+                  <a:lnTo>
+                    <a:pt x="1215575" y="67413"/>
+                  </a:lnTo>
+                  <a:lnTo>
+                    <a:pt x="1149090" y="250080"/>
+                  </a:lnTo>
+                  <a:lnTo>
+                    <a:pt x="1097535" y="231316"/>
+                  </a:lnTo>
+                  <a:lnTo>
+                    <a:pt x="1133347" y="132922"/>
+                  </a:lnTo>
+                  <a:cubicBezTo>
+                    <a:pt x="497217" y="418065"/>
+                    <a:pt x="54864" y="1057135"/>
+                    <a:pt x="54864" y="1799519"/>
+                  </a:cubicBezTo>
+                  <a:cubicBezTo>
+                    <a:pt x="54864" y="2115897"/>
+                    <a:pt x="135202" y="2413512"/>
+                    <a:pt x="276679" y="2673026"/>
+                  </a:cubicBezTo>
+                  <a:lnTo>
+                    <a:pt x="221867" y="2686008"/>
+                  </a:lnTo>
+                  <a:cubicBezTo>
+                    <a:pt x="80093" y="2422010"/>
+                    <a:pt x="0" y="2120118"/>
+                    <a:pt x="0" y="1799519"/>
+                  </a:cubicBezTo>
+                  <a:cubicBezTo>
+                    <a:pt x="0" y="1037151"/>
+                    <a:pt x="452900" y="380563"/>
+                    <a:pt x="1104946" y="85532"/>
+                  </a:cubicBezTo>
+                  <a:lnTo>
+                    <a:pt x="1011594" y="51555"/>
+                  </a:lnTo>
+                  <a:close/>
+                </a:path>
+              </a:pathLst>
+            </a:custGeom>
+            <a:ln/>
+          </p:spPr>
+          <p:style>
+            <a:lnRef idx="2">
+              <a:schemeClr val="accent1">
+                <a:shade val="50000"/>
+              </a:schemeClr>
+            </a:lnRef>
+            <a:fillRef idx="1">
+              <a:schemeClr val="accent1"/>
+            </a:fillRef>
+            <a:effectRef idx="0">
+              <a:schemeClr val="accent1"/>
+            </a:effectRef>
+            <a:fontRef idx="minor">
+              <a:schemeClr val="lt1"/>
+            </a:fontRef>
+          </p:style>
+          <p:txBody>
+            <a:bodyPr rtlCol="0" anchor="ctr"/>
+            <a:lstStyle/>
+            <a:p>
+              <a:pPr algn="ctr"/>
+              <a:endParaRPr lang="en-US" sz="800"/>
+            </a:p>
+          </p:txBody>
+        </p:sp>
+        <p:sp>
+          <p:nvSpPr>
+            <p:cNvPr id="12" name="Oval 9"/>
+            <p:cNvSpPr/>
+            <p:nvPr/>
+          </p:nvSpPr>
+          <p:spPr>
+            <a:xfrm>
+              <a:off x="4050822" y="1295400"/>
+              <a:ext cx="1026884" cy="1026884"/>
+            </a:xfrm>
+            <a:prstGeom prst="ellipse">
+              <a:avLst/>
+            </a:prstGeom>
+            <a:ln/>
+          </p:spPr>
+          <p:style>
+            <a:lnRef idx="2">
+              <a:schemeClr val="accent1">
+                <a:shade val="50000"/>
+              </a:schemeClr>
+            </a:lnRef>
+            <a:fillRef idx="1">
+              <a:schemeClr val="accent1"/>
+            </a:fillRef>
+            <a:effectRef idx="0">
+              <a:schemeClr val="accent1"/>
+            </a:effectRef>
+            <a:fontRef idx="minor">
+              <a:schemeClr val="lt1"/>
+            </a:fontRef>
+          </p:style>
+          <p:txBody>
+            <a:bodyPr rot="0" spcFirstLastPara="0" vertOverflow="overflow" horzOverflow="overflow" vert="horz" wrap="none" lIns="0" tIns="0" rIns="0" bIns="0" numCol="1" spcCol="0" rtlCol="0" fromWordArt="0" anchor="ctr" anchorCtr="0" forceAA="0" compatLnSpc="1">
+              <a:prstTxWarp prst="textNoShape">
+                <a:avLst/>
+              </a:prstTxWarp>
+              <a:noAutofit/>
+            </a:bodyPr>
+            <a:lstStyle/>
+            <a:p>
+              <a:pPr algn="ctr"/>
+              <a:r>
+                <a:rPr lang="ja-JP" altLang="en-US" sz="800" dirty="0" smtClean="0">
+                  <a:latin typeface="Franklin Gothic Demi Cond" pitchFamily="34" charset="0"/>
+                </a:rPr>
+                <a:t>仮説</a:t>
+              </a:r>
+              <a:endParaRPr lang="en-US" sz="800" dirty="0">
+                <a:latin typeface="Franklin Gothic Demi Cond" pitchFamily="34" charset="0"/>
+              </a:endParaRPr>
+            </a:p>
+          </p:txBody>
+        </p:sp>
+        <p:sp>
+          <p:nvSpPr>
+            <p:cNvPr id="13" name="Oval 10"/>
+            <p:cNvSpPr/>
+            <p:nvPr/>
+          </p:nvSpPr>
+          <p:spPr>
+            <a:xfrm>
+              <a:off x="5413848" y="3635519"/>
+              <a:ext cx="1026884" cy="1026884"/>
+            </a:xfrm>
+            <a:prstGeom prst="ellipse">
+              <a:avLst/>
+            </a:prstGeom>
+            <a:ln/>
+          </p:spPr>
+          <p:style>
+            <a:lnRef idx="2">
+              <a:schemeClr val="accent1">
+                <a:shade val="50000"/>
+              </a:schemeClr>
+            </a:lnRef>
+            <a:fillRef idx="1">
+              <a:schemeClr val="accent1"/>
+            </a:fillRef>
+            <a:effectRef idx="0">
+              <a:schemeClr val="accent1"/>
+            </a:effectRef>
+            <a:fontRef idx="minor">
+              <a:schemeClr val="lt1"/>
+            </a:fontRef>
+          </p:style>
+          <p:txBody>
+            <a:bodyPr rot="0" spcFirstLastPara="0" vertOverflow="overflow" horzOverflow="overflow" vert="horz" wrap="none" lIns="0" tIns="0" rIns="0" bIns="0" numCol="1" spcCol="0" rtlCol="0" fromWordArt="0" anchor="ctr" anchorCtr="0" forceAA="0" compatLnSpc="1">
+              <a:prstTxWarp prst="textNoShape">
+                <a:avLst/>
+              </a:prstTxWarp>
+              <a:noAutofit/>
+            </a:bodyPr>
+            <a:lstStyle/>
+            <a:p>
+              <a:pPr algn="ctr"/>
+              <a:r>
+                <a:rPr lang="ja-JP" altLang="en-US" sz="800" dirty="0" smtClean="0">
+                  <a:latin typeface="Franklin Gothic Demi Cond" pitchFamily="34" charset="0"/>
+                </a:rPr>
+                <a:t>製品</a:t>
+              </a:r>
+              <a:endParaRPr lang="en-US" sz="800" dirty="0">
+                <a:latin typeface="Franklin Gothic Demi Cond" pitchFamily="34" charset="0"/>
+              </a:endParaRPr>
+            </a:p>
+          </p:txBody>
+        </p:sp>
+        <p:sp>
+          <p:nvSpPr>
+            <p:cNvPr id="14" name="Oval 11"/>
+            <p:cNvSpPr/>
+            <p:nvPr/>
+          </p:nvSpPr>
+          <p:spPr>
+            <a:xfrm>
+              <a:off x="2682540" y="3623242"/>
+              <a:ext cx="1026884" cy="1026884"/>
+            </a:xfrm>
+            <a:prstGeom prst="ellipse">
+              <a:avLst/>
+            </a:prstGeom>
+            <a:ln/>
+          </p:spPr>
+          <p:style>
+            <a:lnRef idx="2">
+              <a:schemeClr val="accent1">
+                <a:shade val="50000"/>
+              </a:schemeClr>
+            </a:lnRef>
+            <a:fillRef idx="1">
+              <a:schemeClr val="accent1"/>
+            </a:fillRef>
+            <a:effectRef idx="0">
+              <a:schemeClr val="accent1"/>
+            </a:effectRef>
+            <a:fontRef idx="minor">
+              <a:schemeClr val="lt1"/>
+            </a:fontRef>
+          </p:style>
+          <p:txBody>
+            <a:bodyPr rot="0" spcFirstLastPara="0" vertOverflow="overflow" horzOverflow="overflow" vert="horz" wrap="none" lIns="0" tIns="0" rIns="0" bIns="0" numCol="1" spcCol="0" rtlCol="0" fromWordArt="0" anchor="ctr" anchorCtr="0" forceAA="0" compatLnSpc="1">
+              <a:prstTxWarp prst="textNoShape">
+                <a:avLst/>
+              </a:prstTxWarp>
+              <a:noAutofit/>
+            </a:bodyPr>
+            <a:lstStyle/>
+            <a:p>
+              <a:pPr algn="ctr"/>
+              <a:r>
+                <a:rPr lang="ja-JP" altLang="en-US" sz="800" dirty="0" smtClean="0">
+                  <a:latin typeface="Franklin Gothic Demi Cond" pitchFamily="34" charset="0"/>
+                </a:rPr>
+                <a:t>データ</a:t>
+              </a:r>
+              <a:endParaRPr lang="en-US" sz="800" dirty="0">
+                <a:latin typeface="Franklin Gothic Demi Cond" pitchFamily="34" charset="0"/>
+              </a:endParaRPr>
+            </a:p>
+          </p:txBody>
+        </p:sp>
+        <p:sp>
+          <p:nvSpPr>
+            <p:cNvPr id="15" name="Oval 35"/>
+            <p:cNvSpPr/>
+            <p:nvPr/>
+          </p:nvSpPr>
+          <p:spPr>
+            <a:xfrm>
+              <a:off x="5910264" y="1515831"/>
+              <a:ext cx="1129034" cy="1129035"/>
+            </a:xfrm>
+            <a:prstGeom prst="ellipse">
+              <a:avLst/>
+            </a:prstGeom>
+            <a:ln/>
+          </p:spPr>
+          <p:style>
+            <a:lnRef idx="2">
+              <a:schemeClr val="accent1">
+                <a:shade val="50000"/>
+              </a:schemeClr>
+            </a:lnRef>
+            <a:fillRef idx="1">
+              <a:schemeClr val="accent1"/>
+            </a:fillRef>
+            <a:effectRef idx="0">
+              <a:schemeClr val="accent1"/>
+            </a:effectRef>
+            <a:fontRef idx="minor">
+              <a:schemeClr val="lt1"/>
+            </a:fontRef>
+          </p:style>
+          <p:txBody>
+            <a:bodyPr rot="0" spcFirstLastPara="0" vertOverflow="overflow" horzOverflow="overflow" vert="horz" wrap="none" lIns="0" tIns="0" rIns="0" bIns="0" numCol="1" spcCol="0" rtlCol="0" fromWordArt="0" anchor="ctr" anchorCtr="0" forceAA="0" compatLnSpc="1">
+              <a:prstTxWarp prst="textNoShape">
+                <a:avLst/>
+              </a:prstTxWarp>
+              <a:noAutofit/>
+            </a:bodyPr>
+            <a:lstStyle/>
+            <a:p>
+              <a:pPr algn="ctr"/>
+              <a:r>
+                <a:rPr lang="ja-JP" altLang="en-US" sz="800" dirty="0" smtClean="0">
+                  <a:latin typeface="Franklin Gothic Demi Cond" pitchFamily="34" charset="0"/>
+                </a:rPr>
+                <a:t>構築</a:t>
+              </a:r>
+              <a:endParaRPr lang="en-US" sz="800" dirty="0">
+                <a:latin typeface="Franklin Gothic Demi Cond" pitchFamily="34" charset="0"/>
+              </a:endParaRPr>
+            </a:p>
+          </p:txBody>
+        </p:sp>
+        <p:sp>
+          <p:nvSpPr>
+            <p:cNvPr id="16" name="Oval 36"/>
+            <p:cNvSpPr/>
+            <p:nvPr/>
+          </p:nvSpPr>
+          <p:spPr>
+            <a:xfrm>
+              <a:off x="2071366" y="1515831"/>
+              <a:ext cx="1129034" cy="1129035"/>
+            </a:xfrm>
+            <a:prstGeom prst="ellipse">
+              <a:avLst/>
+            </a:prstGeom>
+            <a:ln/>
+          </p:spPr>
+          <p:style>
+            <a:lnRef idx="2">
+              <a:schemeClr val="accent1">
+                <a:shade val="50000"/>
+              </a:schemeClr>
+            </a:lnRef>
+            <a:fillRef idx="1">
+              <a:schemeClr val="accent1"/>
+            </a:fillRef>
+            <a:effectRef idx="0">
+              <a:schemeClr val="accent1"/>
+            </a:effectRef>
+            <a:fontRef idx="minor">
+              <a:schemeClr val="lt1"/>
+            </a:fontRef>
+          </p:style>
+          <p:txBody>
+            <a:bodyPr rot="0" spcFirstLastPara="0" vertOverflow="overflow" horzOverflow="overflow" vert="horz" wrap="none" lIns="0" tIns="0" rIns="0" bIns="0" numCol="1" spcCol="0" rtlCol="0" fromWordArt="0" anchor="ctr" anchorCtr="0" forceAA="0" compatLnSpc="1">
+              <a:prstTxWarp prst="textNoShape">
+                <a:avLst/>
+              </a:prstTxWarp>
+              <a:noAutofit/>
+            </a:bodyPr>
+            <a:lstStyle/>
+            <a:p>
+              <a:pPr algn="ctr"/>
+              <a:r>
+                <a:rPr lang="ja-JP" altLang="en-US" sz="800" dirty="0" smtClean="0">
+                  <a:latin typeface="Franklin Gothic Demi Cond" pitchFamily="34" charset="0"/>
+                </a:rPr>
+                <a:t>学習</a:t>
+              </a:r>
+              <a:endParaRPr lang="en-US" sz="800" dirty="0">
+                <a:latin typeface="Franklin Gothic Demi Cond" pitchFamily="34" charset="0"/>
+              </a:endParaRPr>
+            </a:p>
+          </p:txBody>
+        </p:sp>
+        <p:sp>
+          <p:nvSpPr>
+            <p:cNvPr id="17" name="Oval 37"/>
+            <p:cNvSpPr/>
+            <p:nvPr/>
+          </p:nvSpPr>
+          <p:spPr>
+            <a:xfrm>
+              <a:off x="4042611" y="5148264"/>
+              <a:ext cx="1129034" cy="1129035"/>
+            </a:xfrm>
+            <a:prstGeom prst="ellipse">
+              <a:avLst/>
+            </a:prstGeom>
+            <a:ln/>
+          </p:spPr>
+          <p:style>
+            <a:lnRef idx="2">
+              <a:schemeClr val="accent1">
+                <a:shade val="50000"/>
+              </a:schemeClr>
+            </a:lnRef>
+            <a:fillRef idx="1">
+              <a:schemeClr val="accent1"/>
+            </a:fillRef>
+            <a:effectRef idx="0">
+              <a:schemeClr val="accent1"/>
+            </a:effectRef>
+            <a:fontRef idx="minor">
+              <a:schemeClr val="lt1"/>
+            </a:fontRef>
+          </p:style>
+          <p:txBody>
+            <a:bodyPr rot="0" spcFirstLastPara="0" vertOverflow="overflow" horzOverflow="overflow" vert="horz" wrap="none" lIns="0" tIns="0" rIns="0" bIns="0" numCol="1" spcCol="0" rtlCol="0" fromWordArt="0" anchor="ctr" anchorCtr="0" forceAA="0" compatLnSpc="1">
+              <a:prstTxWarp prst="textNoShape">
+                <a:avLst/>
+              </a:prstTxWarp>
+              <a:noAutofit/>
+            </a:bodyPr>
+            <a:lstStyle/>
+            <a:p>
+              <a:pPr algn="ctr"/>
+              <a:r>
+                <a:rPr lang="ja-JP" altLang="en-US" sz="800" dirty="0" smtClean="0">
+                  <a:latin typeface="Franklin Gothic Demi Cond" pitchFamily="34" charset="0"/>
+                </a:rPr>
+                <a:t>計測</a:t>
+              </a:r>
+              <a:endParaRPr lang="en-US" sz="800" dirty="0">
+                <a:latin typeface="Franklin Gothic Demi Cond" pitchFamily="34" charset="0"/>
+              </a:endParaRPr>
+            </a:p>
+          </p:txBody>
+        </p:sp>
+      </p:grpSp>
       <p:sp>
         <p:nvSpPr>
           <p:cNvPr id="2" name="タイトル 1"/>
@@ -13484,11 +14105,7 @@
             </a:pPr>
             <a:r>
               <a:rPr lang="ja-JP" altLang="en-US" dirty="0" smtClean="0"/>
-              <a:t>従来</a:t>
-            </a:r>
-            <a:r>
-              <a:rPr lang="ja-JP" altLang="en-US" dirty="0" smtClean="0"/>
-              <a:t>の</a:t>
+              <a:t>従来の</a:t>
             </a:r>
             <a:r>
               <a:rPr lang="ja-JP" altLang="en-US" dirty="0"/>
@@ -13695,22 +14312,144 @@
           </a:p>
         </p:txBody>
       </p:sp>
-      <p:sp>
-        <p:nvSpPr>
-          <p:cNvPr id="3" name="コンテンツ プレースホルダー 2"/>
-          <p:cNvSpPr>
-            <a:spLocks noGrp="1"/>
-          </p:cNvSpPr>
+      <p:pic>
+        <p:nvPicPr>
+          <p:cNvPr id="4" name="コンテンツ プレースホルダー 3" descr="engine.jpg"/>
+          <p:cNvPicPr>
+            <a:picLocks noGrp="1" noChangeAspect="1"/>
+          </p:cNvPicPr>
           <p:nvPr>
             <p:ph idx="1"/>
           </p:nvPr>
+        </p:nvPicPr>
+        <p:blipFill>
+          <a:blip r:embed="rId2">
+            <a:extLst>
+              <a:ext uri="{28A0092B-C50C-407E-A947-70E740481C1C}">
+                <a14:useLocalDpi xmlns:a14="http://schemas.microsoft.com/office/drawing/2010/main" val="0"/>
+              </a:ext>
+            </a:extLst>
+          </a:blip>
+          <a:srcRect t="11736" b="11736"/>
+          <a:stretch>
+            <a:fillRect/>
+          </a:stretch>
+        </p:blipFill>
+        <p:spPr/>
+      </p:pic>
+      <p:sp>
+        <p:nvSpPr>
+          <p:cNvPr id="5" name="テキスト ボックス 4"/>
+          <p:cNvSpPr txBox="1"/>
+          <p:nvPr/>
         </p:nvSpPr>
-        <p:spPr/>
+        <p:spPr>
+          <a:xfrm>
+            <a:off x="1638300" y="5651500"/>
+            <a:ext cx="6327373" cy="369332"/>
+          </a:xfrm>
+          <a:prstGeom prst="rect">
+            <a:avLst/>
+          </a:prstGeom>
+          <a:noFill/>
+        </p:spPr>
         <p:txBody>
-          <a:bodyPr/>
+          <a:bodyPr wrap="none" rtlCol="0">
+            <a:spAutoFit/>
+          </a:bodyPr>
           <a:lstStyle/>
           <a:p>
-            <a:endParaRPr kumimoji="1" lang="ja-JP" altLang="en-US"/>
+            <a:r>
+              <a:rPr lang="pl-PL" altLang="ja-JP" dirty="0" err="1">
+                <a:solidFill>
+                  <a:srgbClr val="F5C201"/>
+                </a:solidFill>
+              </a:rPr>
+              <a:t>https</a:t>
+            </a:r>
+            <a:r>
+              <a:rPr lang="pl-PL" altLang="ja-JP" dirty="0">
+                <a:solidFill>
+                  <a:srgbClr val="F5C201"/>
+                </a:solidFill>
+              </a:rPr>
+              <a:t>://</a:t>
+            </a:r>
+            <a:r>
+              <a:rPr lang="pl-PL" altLang="ja-JP" dirty="0" err="1">
+                <a:solidFill>
+                  <a:srgbClr val="F5C201"/>
+                </a:solidFill>
+              </a:rPr>
+              <a:t>www.flickr.com</a:t>
+            </a:r>
+            <a:r>
+              <a:rPr lang="pl-PL" altLang="ja-JP" dirty="0">
+                <a:solidFill>
+                  <a:srgbClr val="F5C201"/>
+                </a:solidFill>
+              </a:rPr>
+              <a:t>/</a:t>
+            </a:r>
+            <a:r>
+              <a:rPr lang="pl-PL" altLang="ja-JP" dirty="0" err="1">
+                <a:solidFill>
+                  <a:srgbClr val="F5C201"/>
+                </a:solidFill>
+              </a:rPr>
+              <a:t>photos</a:t>
+            </a:r>
+            <a:r>
+              <a:rPr lang="pl-PL" altLang="ja-JP" dirty="0">
+                <a:solidFill>
+                  <a:srgbClr val="F5C201"/>
+                </a:solidFill>
+              </a:rPr>
+              <a:t>/16982169@N03/3258290031/</a:t>
+            </a:r>
+            <a:endParaRPr kumimoji="1" lang="ja-JP" altLang="en-US" dirty="0">
+              <a:solidFill>
+                <a:srgbClr val="F5C201"/>
+              </a:solidFill>
+            </a:endParaRPr>
+          </a:p>
+        </p:txBody>
+      </p:sp>
+      <p:sp>
+        <p:nvSpPr>
+          <p:cNvPr id="6" name="テキスト ボックス 5"/>
+          <p:cNvSpPr txBox="1"/>
+          <p:nvPr/>
+        </p:nvSpPr>
+        <p:spPr>
+          <a:xfrm>
+            <a:off x="647700" y="1930400"/>
+            <a:ext cx="6745356" cy="461665"/>
+          </a:xfrm>
+          <a:prstGeom prst="rect">
+            <a:avLst/>
+          </a:prstGeom>
+          <a:noFill/>
+        </p:spPr>
+        <p:txBody>
+          <a:bodyPr wrap="none" rtlCol="0">
+            <a:spAutoFit/>
+          </a:bodyPr>
+          <a:lstStyle/>
+          <a:p>
+            <a:r>
+              <a:rPr kumimoji="1" lang="ja-JP" altLang="en-US" sz="2400" dirty="0" smtClean="0">
+                <a:solidFill>
+                  <a:schemeClr val="bg1"/>
+                </a:solidFill>
+              </a:rPr>
+              <a:t>ビジネスの価値を生み出す成長エンジンを作ったら</a:t>
+            </a:r>
+            <a:endParaRPr kumimoji="1" lang="ja-JP" altLang="en-US" sz="2400" dirty="0">
+              <a:solidFill>
+                <a:schemeClr val="bg1"/>
+              </a:solidFill>
+            </a:endParaRPr>
           </a:p>
         </p:txBody>
       </p:sp>
@@ -13769,7 +14508,7 @@
       </p:sp>
       <p:pic>
         <p:nvPicPr>
-          <p:cNvPr id="4" name="コンテンツ プレースホルダー 3" descr="img264-1.jpg"/>
+          <p:cNvPr id="4" name="コンテンツ プレースホルダー 3" descr="agile_operation_01.png"/>
           <p:cNvPicPr>
             <a:picLocks noGrp="1" noChangeAspect="1"/>
           </p:cNvPicPr>
@@ -13777,7 +14516,7 @@
             <p:ph idx="1"/>
           </p:nvPr>
         </p:nvPicPr>
-        <p:blipFill rotWithShape="1">
+        <p:blipFill>
           <a:blip r:embed="rId2">
             <a:extLst>
               <a:ext uri="{28A0092B-C50C-407E-A947-70E740481C1C}">
@@ -13785,117 +14524,62 @@
               </a:ext>
             </a:extLst>
           </a:blip>
-          <a:srcRect l="-1833" t="6355" r="1833" b="36753"/>
-          <a:stretch/>
+          <a:srcRect t="-26252" b="-26252"/>
+          <a:stretch>
+            <a:fillRect/>
+          </a:stretch>
         </p:blipFill>
         <p:spPr/>
       </p:pic>
       <p:sp>
         <p:nvSpPr>
-          <p:cNvPr id="5" name="正方形/長方形 4"/>
-          <p:cNvSpPr/>
+          <p:cNvPr id="5" name="テキスト ボックス 4"/>
+          <p:cNvSpPr txBox="1"/>
           <p:nvPr/>
         </p:nvSpPr>
         <p:spPr>
           <a:xfrm>
-            <a:off x="3594100" y="3505200"/>
-            <a:ext cx="698500" cy="190500"/>
+            <a:off x="647700" y="1930400"/>
+            <a:ext cx="6565018" cy="830997"/>
           </a:xfrm>
           <a:prstGeom prst="rect">
             <a:avLst/>
           </a:prstGeom>
+          <a:noFill/>
         </p:spPr>
-        <p:style>
-          <a:lnRef idx="2">
-            <a:schemeClr val="dk1">
-              <a:shade val="50000"/>
-            </a:schemeClr>
-          </a:lnRef>
-          <a:fillRef idx="1">
-            <a:schemeClr val="dk1"/>
-          </a:fillRef>
-          <a:effectRef idx="0">
-            <a:schemeClr val="dk1"/>
-          </a:effectRef>
-          <a:fontRef idx="minor">
-            <a:schemeClr val="lt1"/>
-          </a:fontRef>
-        </p:style>
         <p:txBody>
-          <a:bodyPr rtlCol="0" anchor="ctr"/>
+          <a:bodyPr wrap="none" rtlCol="0">
+            <a:spAutoFit/>
+          </a:bodyPr>
           <a:lstStyle/>
           <a:p>
-            <a:pPr algn="ctr"/>
-            <a:endParaRPr kumimoji="1" lang="ja-JP" altLang="en-US"/>
-          </a:p>
-        </p:txBody>
-      </p:sp>
-      <p:sp>
-        <p:nvSpPr>
-          <p:cNvPr id="6" name="円形吹き出し 5"/>
-          <p:cNvSpPr/>
-          <p:nvPr/>
-        </p:nvSpPr>
-        <p:spPr>
-          <a:xfrm>
-            <a:off x="939800" y="3879850"/>
-            <a:ext cx="2235200" cy="1054100"/>
-          </a:xfrm>
-          <a:prstGeom prst="wedgeEllipseCallout">
-            <a:avLst>
-              <a:gd name="adj1" fmla="val 73435"/>
-              <a:gd name="adj2" fmla="val -47138"/>
-            </a:avLst>
-          </a:prstGeom>
-          <a:solidFill>
-            <a:schemeClr val="bg1"/>
-          </a:solidFill>
-        </p:spPr>
-        <p:style>
-          <a:lnRef idx="1">
-            <a:schemeClr val="accent1"/>
-          </a:lnRef>
-          <a:fillRef idx="3">
-            <a:schemeClr val="accent1"/>
-          </a:fillRef>
-          <a:effectRef idx="2">
-            <a:schemeClr val="accent1"/>
-          </a:effectRef>
-          <a:fontRef idx="minor">
-            <a:schemeClr val="lt1"/>
-          </a:fontRef>
-        </p:style>
-        <p:txBody>
-          <a:bodyPr rtlCol="0" anchor="ctr"/>
-          <a:lstStyle/>
-          <a:p>
-            <a:pPr algn="ctr"/>
-            <a:r>
-              <a:rPr kumimoji="1" lang="ja-JP" altLang="en-US" dirty="0" smtClean="0">
-                <a:solidFill>
-                  <a:schemeClr val="tx1">
-                    <a:lumMod val="95000"/>
-                    <a:lumOff val="5000"/>
-                  </a:schemeClr>
-                </a:solidFill>
-              </a:rPr>
-              <a:t>よろしくリーンスタートアップ</a:t>
-            </a:r>
-            <a:endParaRPr kumimoji="1" lang="ja-JP" altLang="en-US" dirty="0">
-              <a:solidFill>
-                <a:schemeClr val="tx1">
-                  <a:lumMod val="95000"/>
-                  <a:lumOff val="5000"/>
-                </a:schemeClr>
-              </a:solidFill>
-            </a:endParaRPr>
+            <a:r>
+              <a:rPr kumimoji="1" lang="ja-JP" altLang="en-US" sz="2400" dirty="0" smtClean="0"/>
+              <a:t>アジャイル開発で価値を実現するプロダクトを作り</a:t>
+            </a:r>
+            <a:endParaRPr kumimoji="1" lang="en-US" altLang="ja-JP" sz="2400" dirty="0" smtClean="0"/>
+          </a:p>
+          <a:p>
+            <a:r>
+              <a:rPr lang="ja-JP" altLang="en-US" sz="2400" dirty="0" smtClean="0"/>
+              <a:t>（最初は</a:t>
+            </a:r>
+            <a:r>
+              <a:rPr lang="en-US" altLang="ja-JP" sz="2400" dirty="0" smtClean="0"/>
+              <a:t>MVP</a:t>
+            </a:r>
+            <a:r>
+              <a:rPr lang="ja-JP" altLang="en-US" sz="2400" dirty="0" smtClean="0"/>
+              <a:t>で）</a:t>
+            </a:r>
+            <a:endParaRPr kumimoji="1" lang="ja-JP" altLang="en-US" sz="2400" dirty="0"/>
           </a:p>
         </p:txBody>
       </p:sp>
     </p:spTree>
     <p:extLst>
       <p:ext uri="{BB962C8B-B14F-4D97-AF65-F5344CB8AC3E}">
-        <p14:creationId xmlns:p14="http://schemas.microsoft.com/office/powerpoint/2010/main" val="2742547089"/>
+        <p14:creationId xmlns:p14="http://schemas.microsoft.com/office/powerpoint/2010/main" val="3706518192"/>
       </p:ext>
     </p:extLst>
   </p:cSld>
@@ -14014,11 +14698,7 @@
             </a:pPr>
             <a:r>
               <a:rPr kumimoji="0" lang="ja-JP" altLang="en-US" dirty="0" smtClean="0"/>
-              <a:t>趣味　山登り・</a:t>
-            </a:r>
-            <a:r>
-              <a:rPr kumimoji="0" lang="ja-JP" altLang="en-US" dirty="0" smtClean="0"/>
-              <a:t>ランニング</a:t>
+              <a:t>趣味　山登り・ランニング</a:t>
             </a:r>
             <a:endParaRPr kumimoji="0" lang="en-US" altLang="ja-JP" dirty="0" smtClean="0"/>
           </a:p>
@@ -14170,6 +14850,920 @@
           <a:p>
             <a:r>
               <a:rPr kumimoji="1" lang="ja-JP" altLang="en-US" dirty="0" smtClean="0"/>
+              <a:t>まとめ</a:t>
+            </a:r>
+            <a:endParaRPr kumimoji="1" lang="ja-JP" altLang="en-US" dirty="0"/>
+          </a:p>
+        </p:txBody>
+      </p:sp>
+      <p:pic>
+        <p:nvPicPr>
+          <p:cNvPr id="4" name="コンテンツ プレースホルダー 3" descr="dashboard.jpg"/>
+          <p:cNvPicPr>
+            <a:picLocks noGrp="1" noChangeAspect="1"/>
+          </p:cNvPicPr>
+          <p:nvPr>
+            <p:ph idx="1"/>
+          </p:nvPr>
+        </p:nvPicPr>
+        <p:blipFill>
+          <a:blip r:embed="rId2">
+            <a:extLst>
+              <a:ext uri="{28A0092B-C50C-407E-A947-70E740481C1C}">
+                <a14:useLocalDpi xmlns:a14="http://schemas.microsoft.com/office/drawing/2010/main" val="0"/>
+              </a:ext>
+            </a:extLst>
+          </a:blip>
+          <a:srcRect l="12432" r="12432"/>
+          <a:stretch>
+            <a:fillRect/>
+          </a:stretch>
+        </p:blipFill>
+        <p:spPr/>
+      </p:pic>
+      <p:sp>
+        <p:nvSpPr>
+          <p:cNvPr id="5" name="テキスト ボックス 4"/>
+          <p:cNvSpPr txBox="1"/>
+          <p:nvPr/>
+        </p:nvSpPr>
+        <p:spPr>
+          <a:xfrm>
+            <a:off x="2314084" y="5756831"/>
+            <a:ext cx="5763116" cy="369332"/>
+          </a:xfrm>
+          <a:prstGeom prst="rect">
+            <a:avLst/>
+          </a:prstGeom>
+          <a:noFill/>
+        </p:spPr>
+        <p:txBody>
+          <a:bodyPr wrap="none" rtlCol="0">
+            <a:spAutoFit/>
+          </a:bodyPr>
+          <a:lstStyle/>
+          <a:p>
+            <a:r>
+              <a:rPr lang="en-US" altLang="ja-JP" dirty="0">
+                <a:solidFill>
+                  <a:schemeClr val="accent2"/>
+                </a:solidFill>
+              </a:rPr>
+              <a:t>https://</a:t>
+            </a:r>
+            <a:r>
+              <a:rPr lang="en-US" altLang="ja-JP" dirty="0" err="1">
+                <a:solidFill>
+                  <a:schemeClr val="accent2"/>
+                </a:solidFill>
+              </a:rPr>
+              <a:t>www.flickr.com</a:t>
+            </a:r>
+            <a:r>
+              <a:rPr lang="en-US" altLang="ja-JP" dirty="0">
+                <a:solidFill>
+                  <a:schemeClr val="accent2"/>
+                </a:solidFill>
+              </a:rPr>
+              <a:t>/photos/</a:t>
+            </a:r>
+            <a:r>
+              <a:rPr lang="en-US" altLang="ja-JP" dirty="0" err="1">
+                <a:solidFill>
+                  <a:schemeClr val="accent2"/>
+                </a:solidFill>
+              </a:rPr>
+              <a:t>alekcander</a:t>
+            </a:r>
+            <a:r>
+              <a:rPr lang="en-US" altLang="ja-JP" dirty="0">
+                <a:solidFill>
+                  <a:schemeClr val="accent2"/>
+                </a:solidFill>
+              </a:rPr>
+              <a:t>/7090978347/</a:t>
+            </a:r>
+            <a:endParaRPr kumimoji="1" lang="ja-JP" altLang="en-US" dirty="0">
+              <a:solidFill>
+                <a:schemeClr val="accent2"/>
+              </a:solidFill>
+            </a:endParaRPr>
+          </a:p>
+        </p:txBody>
+      </p:sp>
+      <p:sp>
+        <p:nvSpPr>
+          <p:cNvPr id="6" name="テキスト ボックス 5"/>
+          <p:cNvSpPr txBox="1"/>
+          <p:nvPr/>
+        </p:nvSpPr>
+        <p:spPr>
+          <a:xfrm>
+            <a:off x="5130800" y="1930399"/>
+            <a:ext cx="2845250" cy="461665"/>
+          </a:xfrm>
+          <a:prstGeom prst="rect">
+            <a:avLst/>
+          </a:prstGeom>
+          <a:noFill/>
+        </p:spPr>
+        <p:txBody>
+          <a:bodyPr wrap="none" rtlCol="0">
+            <a:spAutoFit/>
+          </a:bodyPr>
+          <a:lstStyle/>
+          <a:p>
+            <a:r>
+              <a:rPr kumimoji="1" lang="ja-JP" altLang="en-US" sz="2400" dirty="0" smtClean="0">
+                <a:solidFill>
+                  <a:schemeClr val="bg1"/>
+                </a:solidFill>
+              </a:rPr>
+              <a:t>プロダクトを計測して</a:t>
+            </a:r>
+            <a:endParaRPr kumimoji="1" lang="ja-JP" altLang="en-US" sz="2400" dirty="0">
+              <a:solidFill>
+                <a:schemeClr val="bg1"/>
+              </a:solidFill>
+            </a:endParaRPr>
+          </a:p>
+        </p:txBody>
+      </p:sp>
+    </p:spTree>
+    <p:extLst>
+      <p:ext uri="{BB962C8B-B14F-4D97-AF65-F5344CB8AC3E}">
+        <p14:creationId xmlns:p14="http://schemas.microsoft.com/office/powerpoint/2010/main" val="3791984637"/>
+      </p:ext>
+    </p:extLst>
+  </p:cSld>
+  <p:clrMapOvr>
+    <a:masterClrMapping/>
+  </p:clrMapOvr>
+</p:sld>
+</file>
+
+<file path=ppt/slides/slide21.xml><?xml version="1.0" encoding="utf-8"?>
+<p:sld xmlns:a="http://schemas.openxmlformats.org/drawingml/2006/main" xmlns:r="http://schemas.openxmlformats.org/officeDocument/2006/relationships" xmlns:p="http://schemas.openxmlformats.org/presentationml/2006/main">
+  <p:cSld>
+    <p:spTree>
+      <p:nvGrpSpPr>
+        <p:cNvPr id="1" name=""/>
+        <p:cNvGrpSpPr/>
+        <p:nvPr/>
+      </p:nvGrpSpPr>
+      <p:grpSpPr>
+        <a:xfrm>
+          <a:off x="0" y="0"/>
+          <a:ext cx="0" cy="0"/>
+          <a:chOff x="0" y="0"/>
+          <a:chExt cx="0" cy="0"/>
+        </a:xfrm>
+      </p:grpSpPr>
+      <p:sp>
+        <p:nvSpPr>
+          <p:cNvPr id="2" name="タイトル 1"/>
+          <p:cNvSpPr>
+            <a:spLocks noGrp="1"/>
+          </p:cNvSpPr>
+          <p:nvPr>
+            <p:ph type="title"/>
+          </p:nvPr>
+        </p:nvSpPr>
+        <p:spPr/>
+        <p:txBody>
+          <a:bodyPr/>
+          <a:lstStyle/>
+          <a:p>
+            <a:r>
+              <a:rPr kumimoji="1" lang="ja-JP" altLang="en-US" dirty="0" smtClean="0"/>
+              <a:t>まとめ</a:t>
+            </a:r>
+            <a:endParaRPr kumimoji="1" lang="ja-JP" altLang="en-US" dirty="0"/>
+          </a:p>
+        </p:txBody>
+      </p:sp>
+      <p:pic>
+        <p:nvPicPr>
+          <p:cNvPr id="4" name="コンテンツ プレースホルダー 3" descr="steering.jpg"/>
+          <p:cNvPicPr>
+            <a:picLocks noGrp="1" noChangeAspect="1"/>
+          </p:cNvPicPr>
+          <p:nvPr>
+            <p:ph idx="1"/>
+          </p:nvPr>
+        </p:nvPicPr>
+        <p:blipFill>
+          <a:blip r:embed="rId2">
+            <a:extLst>
+              <a:ext uri="{28A0092B-C50C-407E-A947-70E740481C1C}">
+                <a14:useLocalDpi xmlns:a14="http://schemas.microsoft.com/office/drawing/2010/main" val="0"/>
+              </a:ext>
+            </a:extLst>
+          </a:blip>
+          <a:srcRect t="6682" b="6682"/>
+          <a:stretch>
+            <a:fillRect/>
+          </a:stretch>
+        </p:blipFill>
+        <p:spPr/>
+      </p:pic>
+      <p:sp>
+        <p:nvSpPr>
+          <p:cNvPr id="5" name="テキスト ボックス 4"/>
+          <p:cNvSpPr txBox="1"/>
+          <p:nvPr/>
+        </p:nvSpPr>
+        <p:spPr>
+          <a:xfrm>
+            <a:off x="1698531" y="5756831"/>
+            <a:ext cx="6378669" cy="369332"/>
+          </a:xfrm>
+          <a:prstGeom prst="rect">
+            <a:avLst/>
+          </a:prstGeom>
+          <a:noFill/>
+        </p:spPr>
+        <p:txBody>
+          <a:bodyPr wrap="none" rtlCol="0">
+            <a:spAutoFit/>
+          </a:bodyPr>
+          <a:lstStyle/>
+          <a:p>
+            <a:r>
+              <a:rPr lang="en-US" altLang="ja-JP" dirty="0">
+                <a:solidFill>
+                  <a:srgbClr val="F5C201"/>
+                </a:solidFill>
+              </a:rPr>
+              <a:t>https://</a:t>
+            </a:r>
+            <a:r>
+              <a:rPr lang="en-US" altLang="ja-JP" dirty="0" err="1">
+                <a:solidFill>
+                  <a:srgbClr val="F5C201"/>
+                </a:solidFill>
+              </a:rPr>
+              <a:t>www.flickr.com</a:t>
+            </a:r>
+            <a:r>
+              <a:rPr lang="en-US" altLang="ja-JP" dirty="0">
+                <a:solidFill>
+                  <a:srgbClr val="F5C201"/>
+                </a:solidFill>
+              </a:rPr>
+              <a:t>/photos/</a:t>
+            </a:r>
+            <a:r>
+              <a:rPr lang="en-US" altLang="ja-JP" dirty="0" err="1">
+                <a:solidFill>
+                  <a:srgbClr val="F5C201"/>
+                </a:solidFill>
+              </a:rPr>
+              <a:t>stevensnodgrass</a:t>
+            </a:r>
+            <a:r>
+              <a:rPr lang="en-US" altLang="ja-JP" dirty="0">
+                <a:solidFill>
+                  <a:srgbClr val="F5C201"/>
+                </a:solidFill>
+              </a:rPr>
+              <a:t>/8630272192/</a:t>
+            </a:r>
+            <a:endParaRPr kumimoji="1" lang="ja-JP" altLang="en-US" dirty="0">
+              <a:solidFill>
+                <a:srgbClr val="F5C201"/>
+              </a:solidFill>
+            </a:endParaRPr>
+          </a:p>
+        </p:txBody>
+      </p:sp>
+      <p:sp>
+        <p:nvSpPr>
+          <p:cNvPr id="6" name="テキスト ボックス 5"/>
+          <p:cNvSpPr txBox="1"/>
+          <p:nvPr/>
+        </p:nvSpPr>
+        <p:spPr>
+          <a:xfrm>
+            <a:off x="2400300" y="1896765"/>
+            <a:ext cx="5571958" cy="461665"/>
+          </a:xfrm>
+          <a:prstGeom prst="rect">
+            <a:avLst/>
+          </a:prstGeom>
+          <a:noFill/>
+        </p:spPr>
+        <p:txBody>
+          <a:bodyPr wrap="none" rtlCol="0">
+            <a:spAutoFit/>
+          </a:bodyPr>
+          <a:lstStyle/>
+          <a:p>
+            <a:r>
+              <a:rPr kumimoji="1" lang="ja-JP" altLang="en-US" sz="2400" dirty="0" smtClean="0">
+                <a:solidFill>
+                  <a:schemeClr val="bg1"/>
+                </a:solidFill>
+              </a:rPr>
+              <a:t>フィードバックループを回しながら学習して</a:t>
+            </a:r>
+            <a:endParaRPr kumimoji="1" lang="ja-JP" altLang="en-US" sz="2400" dirty="0">
+              <a:solidFill>
+                <a:schemeClr val="bg1"/>
+              </a:solidFill>
+            </a:endParaRPr>
+          </a:p>
+        </p:txBody>
+      </p:sp>
+    </p:spTree>
+    <p:extLst>
+      <p:ext uri="{BB962C8B-B14F-4D97-AF65-F5344CB8AC3E}">
+        <p14:creationId xmlns:p14="http://schemas.microsoft.com/office/powerpoint/2010/main" val="2677806840"/>
+      </p:ext>
+    </p:extLst>
+  </p:cSld>
+  <p:clrMapOvr>
+    <a:masterClrMapping/>
+  </p:clrMapOvr>
+</p:sld>
+</file>
+
+<file path=ppt/slides/slide22.xml><?xml version="1.0" encoding="utf-8"?>
+<p:sld xmlns:a="http://schemas.openxmlformats.org/drawingml/2006/main" xmlns:r="http://schemas.openxmlformats.org/officeDocument/2006/relationships" xmlns:p="http://schemas.openxmlformats.org/presentationml/2006/main">
+  <p:cSld>
+    <p:spTree>
+      <p:nvGrpSpPr>
+        <p:cNvPr id="1" name=""/>
+        <p:cNvGrpSpPr/>
+        <p:nvPr/>
+      </p:nvGrpSpPr>
+      <p:grpSpPr>
+        <a:xfrm>
+          <a:off x="0" y="0"/>
+          <a:ext cx="0" cy="0"/>
+          <a:chOff x="0" y="0"/>
+          <a:chExt cx="0" cy="0"/>
+        </a:xfrm>
+      </p:grpSpPr>
+      <p:sp>
+        <p:nvSpPr>
+          <p:cNvPr id="2" name="タイトル 1"/>
+          <p:cNvSpPr>
+            <a:spLocks noGrp="1"/>
+          </p:cNvSpPr>
+          <p:nvPr>
+            <p:ph type="title"/>
+          </p:nvPr>
+        </p:nvSpPr>
+        <p:spPr/>
+        <p:txBody>
+          <a:bodyPr/>
+          <a:lstStyle/>
+          <a:p>
+            <a:r>
+              <a:rPr kumimoji="1" lang="ja-JP" altLang="en-US" dirty="0" smtClean="0"/>
+              <a:t>まとめ</a:t>
+            </a:r>
+            <a:endParaRPr kumimoji="1" lang="ja-JP" altLang="en-US" dirty="0"/>
+          </a:p>
+        </p:txBody>
+      </p:sp>
+      <p:pic>
+        <p:nvPicPr>
+          <p:cNvPr id="4" name="コンテンツ プレースホルダー 3" descr="tuning.jpg"/>
+          <p:cNvPicPr>
+            <a:picLocks noGrp="1" noChangeAspect="1"/>
+          </p:cNvPicPr>
+          <p:nvPr>
+            <p:ph idx="1"/>
+          </p:nvPr>
+        </p:nvPicPr>
+        <p:blipFill>
+          <a:blip r:embed="rId2">
+            <a:extLst>
+              <a:ext uri="{28A0092B-C50C-407E-A947-70E740481C1C}">
+                <a14:useLocalDpi xmlns:a14="http://schemas.microsoft.com/office/drawing/2010/main" val="0"/>
+              </a:ext>
+            </a:extLst>
+          </a:blip>
+          <a:srcRect t="6784" b="6784"/>
+          <a:stretch>
+            <a:fillRect/>
+          </a:stretch>
+        </p:blipFill>
+        <p:spPr/>
+      </p:pic>
+      <p:sp>
+        <p:nvSpPr>
+          <p:cNvPr id="5" name="テキスト ボックス 4"/>
+          <p:cNvSpPr txBox="1"/>
+          <p:nvPr/>
+        </p:nvSpPr>
+        <p:spPr>
+          <a:xfrm>
+            <a:off x="2257331" y="5756831"/>
+            <a:ext cx="5775940" cy="369332"/>
+          </a:xfrm>
+          <a:prstGeom prst="rect">
+            <a:avLst/>
+          </a:prstGeom>
+          <a:noFill/>
+        </p:spPr>
+        <p:txBody>
+          <a:bodyPr wrap="none" rtlCol="0">
+            <a:spAutoFit/>
+          </a:bodyPr>
+          <a:lstStyle/>
+          <a:p>
+            <a:r>
+              <a:rPr lang="en-US" altLang="ja-JP" dirty="0">
+                <a:solidFill>
+                  <a:srgbClr val="F5C201"/>
+                </a:solidFill>
+              </a:rPr>
+              <a:t>https://</a:t>
+            </a:r>
+            <a:r>
+              <a:rPr lang="en-US" altLang="ja-JP" dirty="0" err="1">
+                <a:solidFill>
+                  <a:srgbClr val="F5C201"/>
+                </a:solidFill>
+              </a:rPr>
+              <a:t>www.flickr.com</a:t>
+            </a:r>
+            <a:r>
+              <a:rPr lang="en-US" altLang="ja-JP" dirty="0">
+                <a:solidFill>
+                  <a:srgbClr val="F5C201"/>
+                </a:solidFill>
+              </a:rPr>
+              <a:t>/photos/</a:t>
+            </a:r>
+            <a:r>
+              <a:rPr lang="en-US" altLang="ja-JP" dirty="0" err="1">
+                <a:solidFill>
+                  <a:srgbClr val="F5C201"/>
+                </a:solidFill>
+              </a:rPr>
+              <a:t>campdarby</a:t>
+            </a:r>
+            <a:r>
+              <a:rPr lang="en-US" altLang="ja-JP" dirty="0">
+                <a:solidFill>
+                  <a:srgbClr val="F5C201"/>
+                </a:solidFill>
+              </a:rPr>
+              <a:t>/5880740292/</a:t>
+            </a:r>
+            <a:endParaRPr kumimoji="1" lang="ja-JP" altLang="en-US" dirty="0">
+              <a:solidFill>
+                <a:srgbClr val="F5C201"/>
+              </a:solidFill>
+            </a:endParaRPr>
+          </a:p>
+        </p:txBody>
+      </p:sp>
+      <p:sp>
+        <p:nvSpPr>
+          <p:cNvPr id="6" name="テキスト ボックス 5"/>
+          <p:cNvSpPr txBox="1"/>
+          <p:nvPr/>
+        </p:nvSpPr>
+        <p:spPr>
+          <a:xfrm>
+            <a:off x="3644900" y="1905000"/>
+            <a:ext cx="4321616" cy="461665"/>
+          </a:xfrm>
+          <a:prstGeom prst="rect">
+            <a:avLst/>
+          </a:prstGeom>
+          <a:noFill/>
+        </p:spPr>
+        <p:txBody>
+          <a:bodyPr wrap="none" rtlCol="0">
+            <a:spAutoFit/>
+          </a:bodyPr>
+          <a:lstStyle/>
+          <a:p>
+            <a:r>
+              <a:rPr lang="ja-JP" altLang="en-US" sz="2400" dirty="0" smtClean="0">
+                <a:solidFill>
+                  <a:schemeClr val="bg1"/>
+                </a:solidFill>
+              </a:rPr>
+              <a:t>成長エンジンをチューニングして</a:t>
+            </a:r>
+            <a:endParaRPr kumimoji="1" lang="ja-JP" altLang="en-US" sz="2400" dirty="0">
+              <a:solidFill>
+                <a:schemeClr val="bg1"/>
+              </a:solidFill>
+            </a:endParaRPr>
+          </a:p>
+        </p:txBody>
+      </p:sp>
+    </p:spTree>
+    <p:extLst>
+      <p:ext uri="{BB962C8B-B14F-4D97-AF65-F5344CB8AC3E}">
+        <p14:creationId xmlns:p14="http://schemas.microsoft.com/office/powerpoint/2010/main" val="2514973599"/>
+      </p:ext>
+    </p:extLst>
+  </p:cSld>
+  <p:clrMapOvr>
+    <a:masterClrMapping/>
+  </p:clrMapOvr>
+</p:sld>
+</file>
+
+<file path=ppt/slides/slide23.xml><?xml version="1.0" encoding="utf-8"?>
+<p:sld xmlns:a="http://schemas.openxmlformats.org/drawingml/2006/main" xmlns:r="http://schemas.openxmlformats.org/officeDocument/2006/relationships" xmlns:p="http://schemas.openxmlformats.org/presentationml/2006/main">
+  <p:cSld>
+    <p:spTree>
+      <p:nvGrpSpPr>
+        <p:cNvPr id="1" name=""/>
+        <p:cNvGrpSpPr/>
+        <p:nvPr/>
+      </p:nvGrpSpPr>
+      <p:grpSpPr>
+        <a:xfrm>
+          <a:off x="0" y="0"/>
+          <a:ext cx="0" cy="0"/>
+          <a:chOff x="0" y="0"/>
+          <a:chExt cx="0" cy="0"/>
+        </a:xfrm>
+      </p:grpSpPr>
+      <p:sp>
+        <p:nvSpPr>
+          <p:cNvPr id="2" name="タイトル 1"/>
+          <p:cNvSpPr>
+            <a:spLocks noGrp="1"/>
+          </p:cNvSpPr>
+          <p:nvPr>
+            <p:ph type="title"/>
+          </p:nvPr>
+        </p:nvSpPr>
+        <p:spPr/>
+        <p:txBody>
+          <a:bodyPr/>
+          <a:lstStyle/>
+          <a:p>
+            <a:r>
+              <a:rPr kumimoji="1" lang="ja-JP" altLang="en-US" dirty="0" smtClean="0"/>
+              <a:t>まとめ</a:t>
+            </a:r>
+            <a:endParaRPr kumimoji="1" lang="ja-JP" altLang="en-US" dirty="0"/>
+          </a:p>
+        </p:txBody>
+      </p:sp>
+      <p:pic>
+        <p:nvPicPr>
+          <p:cNvPr id="4" name="コンテンツ プレースホルダー 3" descr="speed.jpg"/>
+          <p:cNvPicPr>
+            <a:picLocks noGrp="1" noChangeAspect="1"/>
+          </p:cNvPicPr>
+          <p:nvPr>
+            <p:ph idx="1"/>
+          </p:nvPr>
+        </p:nvPicPr>
+        <p:blipFill>
+          <a:blip r:embed="rId2">
+            <a:extLst>
+              <a:ext uri="{28A0092B-C50C-407E-A947-70E740481C1C}">
+                <a14:useLocalDpi xmlns:a14="http://schemas.microsoft.com/office/drawing/2010/main" val="0"/>
+              </a:ext>
+            </a:extLst>
+          </a:blip>
+          <a:srcRect t="6886" b="6886"/>
+          <a:stretch>
+            <a:fillRect/>
+          </a:stretch>
+        </p:blipFill>
+        <p:spPr/>
+      </p:pic>
+      <p:sp>
+        <p:nvSpPr>
+          <p:cNvPr id="5" name="テキスト ボックス 4"/>
+          <p:cNvSpPr txBox="1"/>
+          <p:nvPr/>
+        </p:nvSpPr>
+        <p:spPr>
+          <a:xfrm>
+            <a:off x="2429500" y="5756831"/>
+            <a:ext cx="5647700" cy="369332"/>
+          </a:xfrm>
+          <a:prstGeom prst="rect">
+            <a:avLst/>
+          </a:prstGeom>
+          <a:noFill/>
+        </p:spPr>
+        <p:txBody>
+          <a:bodyPr wrap="none" rtlCol="0">
+            <a:spAutoFit/>
+          </a:bodyPr>
+          <a:lstStyle/>
+          <a:p>
+            <a:r>
+              <a:rPr lang="en-US" altLang="ja-JP" dirty="0">
+                <a:solidFill>
+                  <a:srgbClr val="F5C201"/>
+                </a:solidFill>
+              </a:rPr>
+              <a:t>https://</a:t>
+            </a:r>
+            <a:r>
+              <a:rPr lang="en-US" altLang="ja-JP" dirty="0" err="1">
+                <a:solidFill>
+                  <a:srgbClr val="F5C201"/>
+                </a:solidFill>
+              </a:rPr>
+              <a:t>www.flickr.com</a:t>
+            </a:r>
+            <a:r>
+              <a:rPr lang="en-US" altLang="ja-JP" dirty="0">
+                <a:solidFill>
+                  <a:srgbClr val="F5C201"/>
+                </a:solidFill>
+              </a:rPr>
+              <a:t>/photos/</a:t>
+            </a:r>
+            <a:r>
+              <a:rPr lang="en-US" altLang="ja-JP" dirty="0" err="1">
+                <a:solidFill>
+                  <a:srgbClr val="F5C201"/>
+                </a:solidFill>
+              </a:rPr>
+              <a:t>albargan</a:t>
+            </a:r>
+            <a:r>
+              <a:rPr lang="en-US" altLang="ja-JP" dirty="0">
+                <a:solidFill>
+                  <a:srgbClr val="F5C201"/>
+                </a:solidFill>
+              </a:rPr>
+              <a:t>/11352337044/</a:t>
+            </a:r>
+            <a:endParaRPr kumimoji="1" lang="ja-JP" altLang="en-US" dirty="0">
+              <a:solidFill>
+                <a:srgbClr val="F5C201"/>
+              </a:solidFill>
+            </a:endParaRPr>
+          </a:p>
+        </p:txBody>
+      </p:sp>
+      <p:sp>
+        <p:nvSpPr>
+          <p:cNvPr id="6" name="テキスト ボックス 5"/>
+          <p:cNvSpPr txBox="1"/>
+          <p:nvPr/>
+        </p:nvSpPr>
+        <p:spPr>
+          <a:xfrm>
+            <a:off x="4608167" y="1930400"/>
+            <a:ext cx="3280465" cy="461665"/>
+          </a:xfrm>
+          <a:prstGeom prst="rect">
+            <a:avLst/>
+          </a:prstGeom>
+          <a:noFill/>
+        </p:spPr>
+        <p:txBody>
+          <a:bodyPr wrap="none" rtlCol="0">
+            <a:spAutoFit/>
+          </a:bodyPr>
+          <a:lstStyle/>
+          <a:p>
+            <a:r>
+              <a:rPr lang="ja-JP" altLang="en-US" sz="2400" dirty="0" smtClean="0"/>
+              <a:t>ビジネスを加速させろ！</a:t>
+            </a:r>
+            <a:endParaRPr kumimoji="1" lang="ja-JP" altLang="en-US" sz="2400" dirty="0"/>
+          </a:p>
+        </p:txBody>
+      </p:sp>
+    </p:spTree>
+    <p:extLst>
+      <p:ext uri="{BB962C8B-B14F-4D97-AF65-F5344CB8AC3E}">
+        <p14:creationId xmlns:p14="http://schemas.microsoft.com/office/powerpoint/2010/main" val="1295205657"/>
+      </p:ext>
+    </p:extLst>
+  </p:cSld>
+  <p:clrMapOvr>
+    <a:masterClrMapping/>
+  </p:clrMapOvr>
+</p:sld>
+</file>
+
+<file path=ppt/slides/slide24.xml><?xml version="1.0" encoding="utf-8"?>
+<p:sld xmlns:a="http://schemas.openxmlformats.org/drawingml/2006/main" xmlns:r="http://schemas.openxmlformats.org/officeDocument/2006/relationships" xmlns:p="http://schemas.openxmlformats.org/presentationml/2006/main">
+  <p:cSld>
+    <p:spTree>
+      <p:nvGrpSpPr>
+        <p:cNvPr id="1" name=""/>
+        <p:cNvGrpSpPr/>
+        <p:nvPr/>
+      </p:nvGrpSpPr>
+      <p:grpSpPr>
+        <a:xfrm>
+          <a:off x="0" y="0"/>
+          <a:ext cx="0" cy="0"/>
+          <a:chOff x="0" y="0"/>
+          <a:chExt cx="0" cy="0"/>
+        </a:xfrm>
+      </p:grpSpPr>
+      <p:sp>
+        <p:nvSpPr>
+          <p:cNvPr id="2" name="タイトル 1"/>
+          <p:cNvSpPr>
+            <a:spLocks noGrp="1"/>
+          </p:cNvSpPr>
+          <p:nvPr>
+            <p:ph type="title"/>
+          </p:nvPr>
+        </p:nvSpPr>
+        <p:spPr/>
+        <p:txBody>
+          <a:bodyPr/>
+          <a:lstStyle/>
+          <a:p>
+            <a:r>
+              <a:rPr kumimoji="1" lang="ja-JP" altLang="en-US" dirty="0" smtClean="0"/>
+              <a:t>まとめ</a:t>
+            </a:r>
+            <a:endParaRPr kumimoji="1" lang="ja-JP" altLang="en-US" dirty="0"/>
+          </a:p>
+        </p:txBody>
+      </p:sp>
+      <p:pic>
+        <p:nvPicPr>
+          <p:cNvPr id="4" name="コンテンツ プレースホルダー 3" descr="img264-1.jpg"/>
+          <p:cNvPicPr>
+            <a:picLocks noGrp="1" noChangeAspect="1"/>
+          </p:cNvPicPr>
+          <p:nvPr>
+            <p:ph idx="1"/>
+          </p:nvPr>
+        </p:nvPicPr>
+        <p:blipFill rotWithShape="1">
+          <a:blip r:embed="rId2">
+            <a:extLst>
+              <a:ext uri="{28A0092B-C50C-407E-A947-70E740481C1C}">
+                <a14:useLocalDpi xmlns:a14="http://schemas.microsoft.com/office/drawing/2010/main" val="0"/>
+              </a:ext>
+            </a:extLst>
+          </a:blip>
+          <a:srcRect l="-1833" t="6355" r="1833" b="36753"/>
+          <a:stretch/>
+        </p:blipFill>
+        <p:spPr/>
+      </p:pic>
+      <p:sp>
+        <p:nvSpPr>
+          <p:cNvPr id="5" name="正方形/長方形 4"/>
+          <p:cNvSpPr/>
+          <p:nvPr/>
+        </p:nvSpPr>
+        <p:spPr>
+          <a:xfrm>
+            <a:off x="3594100" y="3505200"/>
+            <a:ext cx="698500" cy="190500"/>
+          </a:xfrm>
+          <a:prstGeom prst="rect">
+            <a:avLst/>
+          </a:prstGeom>
+        </p:spPr>
+        <p:style>
+          <a:lnRef idx="2">
+            <a:schemeClr val="dk1">
+              <a:shade val="50000"/>
+            </a:schemeClr>
+          </a:lnRef>
+          <a:fillRef idx="1">
+            <a:schemeClr val="dk1"/>
+          </a:fillRef>
+          <a:effectRef idx="0">
+            <a:schemeClr val="dk1"/>
+          </a:effectRef>
+          <a:fontRef idx="minor">
+            <a:schemeClr val="lt1"/>
+          </a:fontRef>
+        </p:style>
+        <p:txBody>
+          <a:bodyPr rtlCol="0" anchor="ctr"/>
+          <a:lstStyle/>
+          <a:p>
+            <a:pPr algn="ctr"/>
+            <a:endParaRPr kumimoji="1" lang="ja-JP" altLang="en-US"/>
+          </a:p>
+        </p:txBody>
+      </p:sp>
+      <p:sp>
+        <p:nvSpPr>
+          <p:cNvPr id="6" name="円形吹き出し 5"/>
+          <p:cNvSpPr/>
+          <p:nvPr/>
+        </p:nvSpPr>
+        <p:spPr>
+          <a:xfrm>
+            <a:off x="939800" y="3879850"/>
+            <a:ext cx="2235200" cy="1054100"/>
+          </a:xfrm>
+          <a:prstGeom prst="wedgeEllipseCallout">
+            <a:avLst>
+              <a:gd name="adj1" fmla="val 73435"/>
+              <a:gd name="adj2" fmla="val -47138"/>
+            </a:avLst>
+          </a:prstGeom>
+          <a:solidFill>
+            <a:schemeClr val="bg1"/>
+          </a:solidFill>
+        </p:spPr>
+        <p:style>
+          <a:lnRef idx="1">
+            <a:schemeClr val="accent1"/>
+          </a:lnRef>
+          <a:fillRef idx="3">
+            <a:schemeClr val="accent1"/>
+          </a:fillRef>
+          <a:effectRef idx="2">
+            <a:schemeClr val="accent1"/>
+          </a:effectRef>
+          <a:fontRef idx="minor">
+            <a:schemeClr val="lt1"/>
+          </a:fontRef>
+        </p:style>
+        <p:txBody>
+          <a:bodyPr rtlCol="0" anchor="ctr"/>
+          <a:lstStyle/>
+          <a:p>
+            <a:pPr algn="ctr"/>
+            <a:r>
+              <a:rPr kumimoji="1" lang="ja-JP" altLang="en-US" dirty="0" smtClean="0">
+                <a:solidFill>
+                  <a:schemeClr val="tx1">
+                    <a:lumMod val="95000"/>
+                    <a:lumOff val="5000"/>
+                  </a:schemeClr>
+                </a:solidFill>
+              </a:rPr>
+              <a:t>よろしくリーンスタートアップ</a:t>
+            </a:r>
+            <a:endParaRPr kumimoji="1" lang="ja-JP" altLang="en-US" dirty="0">
+              <a:solidFill>
+                <a:schemeClr val="tx1">
+                  <a:lumMod val="95000"/>
+                  <a:lumOff val="5000"/>
+                </a:schemeClr>
+              </a:solidFill>
+            </a:endParaRPr>
+          </a:p>
+        </p:txBody>
+      </p:sp>
+    </p:spTree>
+    <p:extLst>
+      <p:ext uri="{BB962C8B-B14F-4D97-AF65-F5344CB8AC3E}">
+        <p14:creationId xmlns:p14="http://schemas.microsoft.com/office/powerpoint/2010/main" val="2742547089"/>
+      </p:ext>
+    </p:extLst>
+  </p:cSld>
+  <p:clrMapOvr>
+    <a:masterClrMapping/>
+  </p:clrMapOvr>
+</p:sld>
+</file>
+
+<file path=ppt/slides/slide25.xml><?xml version="1.0" encoding="utf-8"?>
+<p:sld xmlns:a="http://schemas.openxmlformats.org/drawingml/2006/main" xmlns:r="http://schemas.openxmlformats.org/officeDocument/2006/relationships" xmlns:p="http://schemas.openxmlformats.org/presentationml/2006/main">
+  <p:cSld>
+    <p:spTree>
+      <p:nvGrpSpPr>
+        <p:cNvPr id="1" name=""/>
+        <p:cNvGrpSpPr/>
+        <p:nvPr/>
+      </p:nvGrpSpPr>
+      <p:grpSpPr>
+        <a:xfrm>
+          <a:off x="0" y="0"/>
+          <a:ext cx="0" cy="0"/>
+          <a:chOff x="0" y="0"/>
+          <a:chExt cx="0" cy="0"/>
+        </a:xfrm>
+      </p:grpSpPr>
+      <p:sp>
+        <p:nvSpPr>
+          <p:cNvPr id="2" name="タイトル 1"/>
+          <p:cNvSpPr>
+            <a:spLocks noGrp="1"/>
+          </p:cNvSpPr>
+          <p:nvPr>
+            <p:ph type="title"/>
+          </p:nvPr>
+        </p:nvSpPr>
+        <p:spPr/>
+        <p:txBody>
+          <a:bodyPr/>
+          <a:lstStyle/>
+          <a:p>
+            <a:r>
+              <a:rPr kumimoji="1" lang="ja-JP" altLang="en-US" dirty="0" smtClean="0"/>
               <a:t>参考文献</a:t>
             </a:r>
             <a:endParaRPr kumimoji="1" lang="ja-JP" altLang="en-US" dirty="0"/>
@@ -14211,11 +15805,7 @@
             </a:r>
             <a:r>
               <a:rPr kumimoji="1" lang="en-US" altLang="ja-JP" sz="2800" dirty="0" smtClean="0"/>
-              <a:t>The Lean Startup』 Crown </a:t>
-            </a:r>
-            <a:r>
-              <a:rPr kumimoji="1" lang="en-US" altLang="ja-JP" sz="2800" dirty="0" smtClean="0"/>
-              <a:t>Business</a:t>
+              <a:t>The Lean Startup』 Crown Business</a:t>
             </a:r>
           </a:p>
           <a:p>
@@ -14898,6 +16488,124 @@
           </a:p>
         </p:txBody>
       </p:sp>
+      <p:pic>
+        <p:nvPicPr>
+          <p:cNvPr id="4" name="図 3" descr="bulb.jpg"/>
+          <p:cNvPicPr>
+            <a:picLocks noChangeAspect="1"/>
+          </p:cNvPicPr>
+          <p:nvPr/>
+        </p:nvPicPr>
+        <p:blipFill>
+          <a:blip r:embed="rId2">
+            <a:extLst>
+              <a:ext uri="{28A0092B-C50C-407E-A947-70E740481C1C}">
+                <a14:useLocalDpi xmlns:a14="http://schemas.microsoft.com/office/drawing/2010/main" val="0"/>
+              </a:ext>
+            </a:extLst>
+          </a:blip>
+          <a:stretch>
+            <a:fillRect/>
+          </a:stretch>
+        </p:blipFill>
+        <p:spPr>
+          <a:xfrm>
+            <a:off x="4902200" y="0"/>
+            <a:ext cx="4071938" cy="6858000"/>
+          </a:xfrm>
+          <a:prstGeom prst="rect">
+            <a:avLst/>
+          </a:prstGeom>
+        </p:spPr>
+      </p:pic>
+      <p:sp>
+        <p:nvSpPr>
+          <p:cNvPr id="5" name="テキスト ボックス 4">
+            <a:hlinkClick r:id="rId3"/>
+          </p:cNvPr>
+          <p:cNvSpPr txBox="1"/>
+          <p:nvPr/>
+        </p:nvSpPr>
+        <p:spPr>
+          <a:xfrm>
+            <a:off x="4801201" y="6538436"/>
+            <a:ext cx="4172937" cy="246221"/>
+          </a:xfrm>
+          <a:prstGeom prst="rect">
+            <a:avLst/>
+          </a:prstGeom>
+          <a:noFill/>
+        </p:spPr>
+        <p:txBody>
+          <a:bodyPr wrap="none" rtlCol="0">
+            <a:spAutoFit/>
+          </a:bodyPr>
+          <a:lstStyle/>
+          <a:p>
+            <a:r>
+              <a:rPr lang="en-US" altLang="ja-JP" sz="1000" dirty="0">
+                <a:solidFill>
+                  <a:schemeClr val="accent2"/>
+                </a:solidFill>
+              </a:rPr>
+              <a:t>https://</a:t>
+            </a:r>
+            <a:r>
+              <a:rPr lang="en-US" altLang="ja-JP" sz="1000" dirty="0" err="1">
+                <a:solidFill>
+                  <a:schemeClr val="accent2"/>
+                </a:solidFill>
+              </a:rPr>
+              <a:t>www.flickr.com</a:t>
+            </a:r>
+            <a:r>
+              <a:rPr lang="en-US" altLang="ja-JP" sz="1000" dirty="0">
+                <a:solidFill>
+                  <a:schemeClr val="accent2"/>
+                </a:solidFill>
+              </a:rPr>
+              <a:t>/photos/</a:t>
+            </a:r>
+            <a:r>
+              <a:rPr lang="en-US" altLang="ja-JP" sz="1000" dirty="0" err="1">
+                <a:solidFill>
+                  <a:schemeClr val="accent2"/>
+                </a:solidFill>
+              </a:rPr>
+              <a:t>dumbledad</a:t>
+            </a:r>
+            <a:r>
+              <a:rPr lang="en-US" altLang="ja-JP" sz="1000" dirty="0">
+                <a:solidFill>
+                  <a:schemeClr val="accent2"/>
+                </a:solidFill>
+              </a:rPr>
+              <a:t>/6760261013/in/</a:t>
+            </a:r>
+            <a:r>
+              <a:rPr lang="en-US" altLang="ja-JP" sz="1000" dirty="0" err="1">
+                <a:solidFill>
+                  <a:schemeClr val="accent2"/>
+                </a:solidFill>
+              </a:rPr>
+              <a:t>photostream</a:t>
+            </a:r>
+            <a:r>
+              <a:rPr lang="en-US" altLang="ja-JP" sz="1000" dirty="0">
+                <a:solidFill>
+                  <a:schemeClr val="accent2"/>
+                </a:solidFill>
+              </a:rPr>
+              <a:t>/</a:t>
+            </a:r>
+            <a:endParaRPr kumimoji="1" lang="ja-JP" altLang="en-US" sz="1000" dirty="0">
+              <a:solidFill>
+                <a:schemeClr val="accent2"/>
+              </a:solidFill>
+            </a:endParaRPr>
+          </a:p>
+        </p:txBody>
+      </p:sp>
     </p:spTree>
     <p:extLst>
       <p:ext uri="{BB962C8B-B14F-4D97-AF65-F5344CB8AC3E}">
@@ -15006,7 +16714,19 @@
             </a:r>
             <a:r>
               <a:rPr lang="ja-JP" altLang="en-US" dirty="0"/>
-              <a:t>つまり、リーン・スタートアップとは、サイクルタイムの短縮と顧客に対する洞察、大いなるビジョン、大望とさまざまなポイントに等しく気を配りながら、「検証による学び」を通して画期的な新製品を開発する方法なのである。</a:t>
+              <a:t>つまり、リーン・スタートアップとは、サイクルタイムの短縮と顧客に対する洞察、大いなるビジョン、大望とさまざまなポイントに等しく気を配りながら、</a:t>
+            </a:r>
+            <a:r>
+              <a:rPr lang="ja-JP" altLang="en-US" dirty="0">
+                <a:solidFill>
+                  <a:schemeClr val="tx2"/>
+                </a:solidFill>
+              </a:rPr>
+              <a:t>「検証による学び」を通して画期的な新製品を開発する方法</a:t>
+            </a:r>
+            <a:r>
+              <a:rPr lang="ja-JP" altLang="en-US" dirty="0"/>
+              <a:t>なのである。</a:t>
             </a:r>
             <a:r>
               <a:rPr lang="en-US" altLang="ja-JP" dirty="0" smtClean="0"/>

--- a/ltdd02/LT駆動開発 02 プレゼン.pptx
+++ b/ltdd02/LT駆動開発 02 プレゼン.pptx
@@ -15957,12 +15957,20 @@
           <a:bodyPr/>
           <a:lstStyle/>
           <a:p>
+            <a:pPr marL="457200" indent="-457200">
+              <a:buFont typeface="+mj-lt"/>
+              <a:buAutoNum type="arabicPeriod"/>
+            </a:pPr>
             <a:r>
               <a:rPr lang="en-US" altLang="en-US" dirty="0" smtClean="0"/>
               <a:t>イントロ</a:t>
             </a:r>
           </a:p>
           <a:p>
+            <a:pPr marL="457200" indent="-457200">
+              <a:buFont typeface="+mj-lt"/>
+              <a:buAutoNum type="arabicPeriod"/>
+            </a:pPr>
             <a:r>
               <a:rPr kumimoji="1" lang="en-US" altLang="en-US" dirty="0" smtClean="0"/>
               <a:t>リーンスタートアップとは</a:t>
@@ -15970,6 +15978,10 @@
             <a:endParaRPr kumimoji="1" lang="en-US" altLang="ja-JP" dirty="0" smtClean="0"/>
           </a:p>
           <a:p>
+            <a:pPr marL="457200" indent="-457200">
+              <a:buFont typeface="+mj-lt"/>
+              <a:buAutoNum type="arabicPeriod"/>
+            </a:pPr>
             <a:r>
               <a:rPr lang="ja-JP" altLang="en-US" dirty="0" smtClean="0"/>
               <a:t>メカニズム</a:t>
@@ -15977,6 +15989,10 @@
             <a:endParaRPr lang="en-US" altLang="ja-JP" dirty="0" smtClean="0"/>
           </a:p>
           <a:p>
+            <a:pPr marL="457200" indent="-457200">
+              <a:buFont typeface="+mj-lt"/>
+              <a:buAutoNum type="arabicPeriod"/>
+            </a:pPr>
             <a:r>
               <a:rPr lang="ja-JP" altLang="en-US" dirty="0" smtClean="0"/>
               <a:t>プロセス</a:t>
@@ -15984,6 +16000,10 @@
             <a:endParaRPr lang="en-US" altLang="ja-JP" dirty="0" smtClean="0"/>
           </a:p>
           <a:p>
+            <a:pPr marL="457200" indent="-457200">
+              <a:buFont typeface="+mj-lt"/>
+              <a:buAutoNum type="arabicPeriod"/>
+            </a:pPr>
             <a:r>
               <a:rPr lang="ja-JP" altLang="en-US" dirty="0" smtClean="0"/>
               <a:t>まとめ</a:t>
@@ -15991,6 +16011,10 @@
             <a:endParaRPr lang="en-US" altLang="ja-JP" dirty="0" smtClean="0"/>
           </a:p>
           <a:p>
+            <a:pPr marL="457200" indent="-457200">
+              <a:buFont typeface="+mj-lt"/>
+              <a:buAutoNum type="arabicPeriod"/>
+            </a:pPr>
             <a:r>
               <a:rPr lang="ja-JP" altLang="en-US" dirty="0" smtClean="0"/>
               <a:t>参考文献</a:t>

--- a/ltdd02/LT駆動開発 02 プレゼン.pptx
+++ b/ltdd02/LT駆動開発 02 プレゼン.pptx
@@ -7798,7 +7798,7 @@
           <a:p>
             <a:fld id="{6918B036-4E51-784E-9626-3C90733E496C}" type="datetimeFigureOut">
               <a:rPr kumimoji="1" lang="ja-JP" altLang="en-US" smtClean="0"/>
-              <a:t>2014/04/04</a:t>
+              <a:t>2014/04/06</a:t>
             </a:fld>
             <a:endParaRPr kumimoji="1" lang="ja-JP" altLang="en-US"/>
           </a:p>
@@ -8375,7 +8375,7 @@
           <a:p>
             <a:fld id="{8EB6E0BA-E3E9-A44B-A682-F9FBC4411CB4}" type="datetimeFigureOut">
               <a:rPr kumimoji="1" lang="ja-JP" altLang="en-US" smtClean="0"/>
-              <a:t>2014/04/04</a:t>
+              <a:t>2014/04/06</a:t>
             </a:fld>
             <a:endParaRPr kumimoji="1" lang="ja-JP" altLang="en-US"/>
           </a:p>
@@ -8672,7 +8672,7 @@
           <a:p>
             <a:fld id="{8EB6E0BA-E3E9-A44B-A682-F9FBC4411CB4}" type="datetimeFigureOut">
               <a:rPr kumimoji="1" lang="ja-JP" altLang="en-US" smtClean="0"/>
-              <a:t>2014/04/04</a:t>
+              <a:t>2014/04/06</a:t>
             </a:fld>
             <a:endParaRPr kumimoji="1" lang="ja-JP" altLang="en-US"/>
           </a:p>
@@ -8879,7 +8879,7 @@
           <a:p>
             <a:fld id="{8EB6E0BA-E3E9-A44B-A682-F9FBC4411CB4}" type="datetimeFigureOut">
               <a:rPr kumimoji="1" lang="ja-JP" altLang="en-US" smtClean="0"/>
-              <a:t>2014/04/04</a:t>
+              <a:t>2014/04/06</a:t>
             </a:fld>
             <a:endParaRPr kumimoji="1" lang="ja-JP" altLang="en-US"/>
           </a:p>
@@ -9076,7 +9076,7 @@
           <a:p>
             <a:fld id="{8EB6E0BA-E3E9-A44B-A682-F9FBC4411CB4}" type="datetimeFigureOut">
               <a:rPr kumimoji="1" lang="ja-JP" altLang="en-US" smtClean="0"/>
-              <a:t>2014/04/04</a:t>
+              <a:t>2014/04/06</a:t>
             </a:fld>
             <a:endParaRPr kumimoji="1" lang="ja-JP" altLang="en-US"/>
           </a:p>
@@ -9325,7 +9325,7 @@
           <a:p>
             <a:fld id="{8EB6E0BA-E3E9-A44B-A682-F9FBC4411CB4}" type="datetimeFigureOut">
               <a:rPr kumimoji="1" lang="ja-JP" altLang="en-US" smtClean="0"/>
-              <a:t>2014/04/04</a:t>
+              <a:t>2014/04/06</a:t>
             </a:fld>
             <a:endParaRPr kumimoji="1" lang="ja-JP" altLang="en-US"/>
           </a:p>
@@ -9672,7 +9672,7 @@
           <a:p>
             <a:fld id="{8EB6E0BA-E3E9-A44B-A682-F9FBC4411CB4}" type="datetimeFigureOut">
               <a:rPr kumimoji="1" lang="ja-JP" altLang="en-US" smtClean="0"/>
-              <a:t>2014/04/04</a:t>
+              <a:t>2014/04/06</a:t>
             </a:fld>
             <a:endParaRPr kumimoji="1" lang="ja-JP" altLang="en-US"/>
           </a:p>
@@ -10175,7 +10175,7 @@
           <a:p>
             <a:fld id="{8EB6E0BA-E3E9-A44B-A682-F9FBC4411CB4}" type="datetimeFigureOut">
               <a:rPr kumimoji="1" lang="ja-JP" altLang="en-US" smtClean="0"/>
-              <a:t>2014/04/04</a:t>
+              <a:t>2014/04/06</a:t>
             </a:fld>
             <a:endParaRPr kumimoji="1" lang="ja-JP" altLang="en-US"/>
           </a:p>
@@ -10288,7 +10288,7 @@
           <a:p>
             <a:fld id="{8EB6E0BA-E3E9-A44B-A682-F9FBC4411CB4}" type="datetimeFigureOut">
               <a:rPr kumimoji="1" lang="ja-JP" altLang="en-US" smtClean="0"/>
-              <a:t>2014/04/04</a:t>
+              <a:t>2014/04/06</a:t>
             </a:fld>
             <a:endParaRPr kumimoji="1" lang="ja-JP" altLang="en-US"/>
           </a:p>
@@ -10378,7 +10378,7 @@
           <a:p>
             <a:fld id="{8EB6E0BA-E3E9-A44B-A682-F9FBC4411CB4}" type="datetimeFigureOut">
               <a:rPr kumimoji="1" lang="ja-JP" altLang="en-US" smtClean="0"/>
-              <a:t>2014/04/04</a:t>
+              <a:t>2014/04/06</a:t>
             </a:fld>
             <a:endParaRPr kumimoji="1" lang="ja-JP" altLang="en-US"/>
           </a:p>
@@ -10652,7 +10652,7 @@
           <a:p>
             <a:fld id="{8EB6E0BA-E3E9-A44B-A682-F9FBC4411CB4}" type="datetimeFigureOut">
               <a:rPr kumimoji="1" lang="ja-JP" altLang="en-US" smtClean="0"/>
-              <a:t>2014/04/04</a:t>
+              <a:t>2014/04/06</a:t>
             </a:fld>
             <a:endParaRPr kumimoji="1" lang="ja-JP" altLang="en-US"/>
           </a:p>
@@ -10946,7 +10946,7 @@
           <a:p>
             <a:fld id="{8EB6E0BA-E3E9-A44B-A682-F9FBC4411CB4}" type="datetimeFigureOut">
               <a:rPr kumimoji="1" lang="ja-JP" altLang="en-US" smtClean="0"/>
-              <a:t>2014/04/04</a:t>
+              <a:t>2014/04/06</a:t>
             </a:fld>
             <a:endParaRPr kumimoji="1" lang="ja-JP" altLang="en-US"/>
           </a:p>
@@ -11272,7 +11272,7 @@
           <a:p>
             <a:fld id="{8EB6E0BA-E3E9-A44B-A682-F9FBC4411CB4}" type="datetimeFigureOut">
               <a:rPr kumimoji="1" lang="ja-JP" altLang="en-US" smtClean="0"/>
-              <a:t>2014/04/04</a:t>
+              <a:t>2014/04/06</a:t>
             </a:fld>
             <a:endParaRPr kumimoji="1" lang="ja-JP" altLang="en-US"/>
           </a:p>
@@ -14606,6 +14606,36 @@
           <a:chExt cx="0" cy="0"/>
         </a:xfrm>
       </p:grpSpPr>
+      <p:pic>
+        <p:nvPicPr>
+          <p:cNvPr id="2" name="図 1" descr="github.png"/>
+          <p:cNvPicPr>
+            <a:picLocks noChangeAspect="1"/>
+          </p:cNvPicPr>
+          <p:nvPr/>
+        </p:nvPicPr>
+        <p:blipFill>
+          <a:blip r:embed="rId2">
+            <a:extLst>
+              <a:ext uri="{28A0092B-C50C-407E-A947-70E740481C1C}">
+                <a14:useLocalDpi xmlns:a14="http://schemas.microsoft.com/office/drawing/2010/main" val="0"/>
+              </a:ext>
+            </a:extLst>
+          </a:blip>
+          <a:stretch>
+            <a:fillRect/>
+          </a:stretch>
+        </p:blipFill>
+        <p:spPr>
+          <a:xfrm>
+            <a:off x="4813301" y="4014941"/>
+            <a:ext cx="3898900" cy="2258859"/>
+          </a:xfrm>
+          <a:prstGeom prst="rect">
+            <a:avLst/>
+          </a:prstGeom>
+        </p:spPr>
+      </p:pic>
       <p:sp>
         <p:nvSpPr>
           <p:cNvPr id="17409" name="Rectangle 1"/>
@@ -14716,13 +14746,13 @@
             </a:r>
             <a:r>
               <a:rPr kumimoji="0" lang="en-US" altLang="ja-JP" dirty="0">
-                <a:hlinkClick r:id="rId2"/>
+                <a:hlinkClick r:id="rId3"/>
               </a:rPr>
               <a:t>https://github.com/</a:t>
             </a:r>
             <a:r>
               <a:rPr kumimoji="0" lang="en-US" altLang="ja-JP" dirty="0" smtClean="0">
-                <a:hlinkClick r:id="rId2"/>
+                <a:hlinkClick r:id="rId3"/>
               </a:rPr>
               <a:t>k2works</a:t>
             </a:r>
@@ -14738,56 +14768,54 @@
             </a:r>
             <a:r>
               <a:rPr kumimoji="0" lang="en-US" altLang="ja-JP" dirty="0">
-                <a:hlinkClick r:id="rId3"/>
+                <a:hlinkClick r:id="rId4"/>
+              </a:rPr>
+              <a:t>https://twitter.com/</a:t>
+            </a:r>
+            <a:r>
+              <a:rPr kumimoji="0" lang="en-US" altLang="ja-JP" dirty="0" smtClean="0">
+                <a:hlinkClick r:id="rId4"/>
+              </a:rPr>
+              <a:t>k2works</a:t>
+            </a:r>
+            <a:endParaRPr kumimoji="0" lang="en-US" altLang="ja-JP" dirty="0" smtClean="0"/>
+          </a:p>
+          <a:p>
+            <a:pPr marL="625056">
+              <a:defRPr/>
+            </a:pPr>
+            <a:r>
+              <a:rPr kumimoji="0" lang="en-US" altLang="ja-JP" dirty="0"/>
+              <a:t>Facebook: </a:t>
+            </a:r>
+            <a:r>
+              <a:rPr kumimoji="0" lang="en-US" altLang="ja-JP" dirty="0">
+                <a:hlinkClick r:id="rId5"/>
               </a:rPr>
               <a:t>https://</a:t>
             </a:r>
             <a:r>
               <a:rPr kumimoji="0" lang="en-US" altLang="ja-JP" dirty="0" err="1">
-                <a:hlinkClick r:id="rId3"/>
+                <a:hlinkClick r:id="rId5"/>
               </a:rPr>
-              <a:t>twitter.com</a:t>
+              <a:t>www.facebook.com</a:t>
             </a:r>
             <a:r>
               <a:rPr kumimoji="0" lang="en-US" altLang="ja-JP" dirty="0">
-                <a:hlinkClick r:id="rId3"/>
+                <a:hlinkClick r:id="rId5"/>
               </a:rPr>
-              <a:t>/k2works</a:t>
+              <a:t>/</a:t>
+            </a:r>
+            <a:r>
+              <a:rPr kumimoji="0" lang="en-US" altLang="ja-JP" dirty="0" err="1">
+                <a:hlinkClick r:id="rId5"/>
+              </a:rPr>
+              <a:t>kakimomokuri</a:t>
             </a:r>
             <a:endParaRPr kumimoji="0" lang="en-US" altLang="ja-JP" dirty="0" smtClean="0"/>
           </a:p>
         </p:txBody>
       </p:sp>
-      <p:pic>
-        <p:nvPicPr>
-          <p:cNvPr id="2" name="図 1" descr="github.png"/>
-          <p:cNvPicPr>
-            <a:picLocks noChangeAspect="1"/>
-          </p:cNvPicPr>
-          <p:nvPr/>
-        </p:nvPicPr>
-        <p:blipFill>
-          <a:blip r:embed="rId4">
-            <a:extLst>
-              <a:ext uri="{28A0092B-C50C-407E-A947-70E740481C1C}">
-                <a14:useLocalDpi xmlns:a14="http://schemas.microsoft.com/office/drawing/2010/main" val="0"/>
-              </a:ext>
-            </a:extLst>
-          </a:blip>
-          <a:stretch>
-            <a:fillRect/>
-          </a:stretch>
-        </p:blipFill>
-        <p:spPr>
-          <a:xfrm>
-            <a:off x="5003801" y="4472141"/>
-            <a:ext cx="3898900" cy="2258859"/>
-          </a:xfrm>
-          <a:prstGeom prst="rect">
-            <a:avLst/>
-          </a:prstGeom>
-        </p:spPr>
-      </p:pic>
     </p:spTree>
     <p:extLst>
       <p:ext uri="{BB962C8B-B14F-4D97-AF65-F5344CB8AC3E}">
@@ -15882,9 +15910,51 @@
               <a:t>BP</a:t>
             </a:r>
             <a:r>
+              <a:rPr lang="ja-JP" altLang="en-US" sz="2800" dirty="0" smtClean="0"/>
+              <a:t>社</a:t>
+            </a:r>
+            <a:endParaRPr kumimoji="1" lang="en-US" altLang="ja-JP" sz="2800" dirty="0"/>
+          </a:p>
+          <a:p>
+            <a:r>
+              <a:rPr lang="en-US" altLang="ja-JP" sz="2800" dirty="0"/>
+              <a:t>Jonathan </a:t>
+            </a:r>
+            <a:r>
+              <a:rPr lang="en-US" altLang="ja-JP" sz="2800" dirty="0" err="1"/>
+              <a:t>Rasmusson</a:t>
+            </a:r>
+            <a:r>
               <a:rPr lang="ja-JP" altLang="en-US" sz="2800" dirty="0"/>
-              <a:t>社</a:t>
-            </a:r>
+              <a:t>、西村 直人、角谷 信太郎、 近藤 修平</a:t>
+            </a:r>
+            <a:r>
+              <a:rPr lang="en-US" altLang="ja-JP" sz="2800" dirty="0"/>
+              <a:t>(2011) 『</a:t>
+            </a:r>
+            <a:r>
+              <a:rPr lang="ja-JP" altLang="en-US" sz="2800" dirty="0"/>
+              <a:t>アジャイルサムライ</a:t>
+            </a:r>
+            <a:r>
+              <a:rPr lang="en-US" altLang="ja-JP" sz="2800" dirty="0"/>
+              <a:t>−</a:t>
+            </a:r>
+            <a:r>
+              <a:rPr lang="ja-JP" altLang="en-US" sz="2800" dirty="0"/>
+              <a:t>達人開発者への道</a:t>
+            </a:r>
+            <a:r>
+              <a:rPr lang="en-US" altLang="ja-JP" sz="2800" dirty="0"/>
+              <a:t>』 </a:t>
+            </a:r>
+            <a:r>
+              <a:rPr lang="ja-JP" altLang="en-US" sz="2800" dirty="0"/>
+              <a:t>オーム社</a:t>
+            </a:r>
+            <a:endParaRPr lang="en-US" altLang="ja-JP" sz="2800" dirty="0"/>
+          </a:p>
+          <a:p>
             <a:endParaRPr kumimoji="1" lang="en-US" altLang="ja-JP" sz="2800" dirty="0" smtClean="0"/>
           </a:p>
         </p:txBody>
@@ -16132,8 +16202,25 @@
               <a:t>価値ある成果を毎週届ける</a:t>
             </a:r>
             <a:r>
-              <a:rPr lang="en-US" altLang="ja-JP" dirty="0"/>
+              <a:rPr lang="en-US" altLang="ja-JP" dirty="0" smtClean="0"/>
               <a:t>)</a:t>
+            </a:r>
+          </a:p>
+          <a:p>
+            <a:pPr marL="0" indent="0">
+              <a:buNone/>
+            </a:pPr>
+            <a:r>
+              <a:rPr kumimoji="1" lang="en-US" altLang="ja-JP" dirty="0" smtClean="0"/>
+              <a:t>『</a:t>
+            </a:r>
+            <a:r>
+              <a:rPr kumimoji="1" lang="ja-JP" altLang="en-US" dirty="0" smtClean="0"/>
+              <a:t>アジャイルサムライ</a:t>
+            </a:r>
+            <a:r>
+              <a:rPr kumimoji="1" lang="en-US" altLang="ja-JP" dirty="0" smtClean="0"/>
+              <a:t>』</a:t>
             </a:r>
             <a:endParaRPr kumimoji="1" lang="ja-JP" altLang="en-US" dirty="0"/>
           </a:p>
